--- a/PlatformerFighterInstructions.pptx
+++ b/PlatformerFighterInstructions.pptx
@@ -6,51 +6,52 @@
   </p:sldMasterIdLst>
   <p:sldIdLst>
     <p:sldId id="257" r:id="rId2"/>
-    <p:sldId id="258" r:id="rId3"/>
-    <p:sldId id="259" r:id="rId4"/>
-    <p:sldId id="260" r:id="rId5"/>
-    <p:sldId id="261" r:id="rId6"/>
-    <p:sldId id="262" r:id="rId7"/>
-    <p:sldId id="263" r:id="rId8"/>
-    <p:sldId id="264" r:id="rId9"/>
-    <p:sldId id="265" r:id="rId10"/>
-    <p:sldId id="266" r:id="rId11"/>
-    <p:sldId id="267" r:id="rId12"/>
-    <p:sldId id="268" r:id="rId13"/>
-    <p:sldId id="269" r:id="rId14"/>
-    <p:sldId id="270" r:id="rId15"/>
-    <p:sldId id="271" r:id="rId16"/>
-    <p:sldId id="272" r:id="rId17"/>
-    <p:sldId id="273" r:id="rId18"/>
-    <p:sldId id="274" r:id="rId19"/>
-    <p:sldId id="275" r:id="rId20"/>
-    <p:sldId id="276" r:id="rId21"/>
-    <p:sldId id="277" r:id="rId22"/>
-    <p:sldId id="278" r:id="rId23"/>
-    <p:sldId id="279" r:id="rId24"/>
-    <p:sldId id="280" r:id="rId25"/>
-    <p:sldId id="281" r:id="rId26"/>
-    <p:sldId id="282" r:id="rId27"/>
-    <p:sldId id="283" r:id="rId28"/>
-    <p:sldId id="285" r:id="rId29"/>
-    <p:sldId id="284" r:id="rId30"/>
-    <p:sldId id="286" r:id="rId31"/>
-    <p:sldId id="287" r:id="rId32"/>
-    <p:sldId id="288" r:id="rId33"/>
-    <p:sldId id="289" r:id="rId34"/>
-    <p:sldId id="290" r:id="rId35"/>
-    <p:sldId id="291" r:id="rId36"/>
-    <p:sldId id="292" r:id="rId37"/>
-    <p:sldId id="293" r:id="rId38"/>
-    <p:sldId id="294" r:id="rId39"/>
-    <p:sldId id="295" r:id="rId40"/>
-    <p:sldId id="296" r:id="rId41"/>
-    <p:sldId id="297" r:id="rId42"/>
-    <p:sldId id="298" r:id="rId43"/>
-    <p:sldId id="299" r:id="rId44"/>
-    <p:sldId id="300" r:id="rId45"/>
-    <p:sldId id="301" r:id="rId46"/>
-    <p:sldId id="303" r:id="rId47"/>
+    <p:sldId id="304" r:id="rId3"/>
+    <p:sldId id="258" r:id="rId4"/>
+    <p:sldId id="259" r:id="rId5"/>
+    <p:sldId id="260" r:id="rId6"/>
+    <p:sldId id="261" r:id="rId7"/>
+    <p:sldId id="262" r:id="rId8"/>
+    <p:sldId id="263" r:id="rId9"/>
+    <p:sldId id="264" r:id="rId10"/>
+    <p:sldId id="265" r:id="rId11"/>
+    <p:sldId id="266" r:id="rId12"/>
+    <p:sldId id="267" r:id="rId13"/>
+    <p:sldId id="268" r:id="rId14"/>
+    <p:sldId id="269" r:id="rId15"/>
+    <p:sldId id="270" r:id="rId16"/>
+    <p:sldId id="271" r:id="rId17"/>
+    <p:sldId id="272" r:id="rId18"/>
+    <p:sldId id="273" r:id="rId19"/>
+    <p:sldId id="274" r:id="rId20"/>
+    <p:sldId id="275" r:id="rId21"/>
+    <p:sldId id="276" r:id="rId22"/>
+    <p:sldId id="277" r:id="rId23"/>
+    <p:sldId id="278" r:id="rId24"/>
+    <p:sldId id="279" r:id="rId25"/>
+    <p:sldId id="280" r:id="rId26"/>
+    <p:sldId id="281" r:id="rId27"/>
+    <p:sldId id="282" r:id="rId28"/>
+    <p:sldId id="283" r:id="rId29"/>
+    <p:sldId id="285" r:id="rId30"/>
+    <p:sldId id="284" r:id="rId31"/>
+    <p:sldId id="286" r:id="rId32"/>
+    <p:sldId id="287" r:id="rId33"/>
+    <p:sldId id="288" r:id="rId34"/>
+    <p:sldId id="289" r:id="rId35"/>
+    <p:sldId id="290" r:id="rId36"/>
+    <p:sldId id="291" r:id="rId37"/>
+    <p:sldId id="292" r:id="rId38"/>
+    <p:sldId id="293" r:id="rId39"/>
+    <p:sldId id="294" r:id="rId40"/>
+    <p:sldId id="295" r:id="rId41"/>
+    <p:sldId id="296" r:id="rId42"/>
+    <p:sldId id="297" r:id="rId43"/>
+    <p:sldId id="298" r:id="rId44"/>
+    <p:sldId id="299" r:id="rId45"/>
+    <p:sldId id="300" r:id="rId46"/>
+    <p:sldId id="301" r:id="rId47"/>
+    <p:sldId id="303" r:id="rId48"/>
   </p:sldIdLst>
   <p:sldSz cx="12192000" cy="6858000"/>
   <p:notesSz cx="6858000" cy="9144000"/>
@@ -288,7 +289,7 @@
           <a:p>
             <a:fld id="{85B3D1F4-5C06-4015-9524-2593BCFBE206}" type="datetimeFigureOut">
               <a:rPr lang="en-US" smtClean="0"/>
-              <a:t>2016-06-19</a:t>
+              <a:t>9/15/2016</a:t>
             </a:fld>
             <a:endParaRPr lang="en-US"/>
           </a:p>
@@ -458,7 +459,7 @@
           <a:p>
             <a:fld id="{85B3D1F4-5C06-4015-9524-2593BCFBE206}" type="datetimeFigureOut">
               <a:rPr lang="en-US" smtClean="0"/>
-              <a:t>2016-06-19</a:t>
+              <a:t>9/15/2016</a:t>
             </a:fld>
             <a:endParaRPr lang="en-US"/>
           </a:p>
@@ -638,7 +639,7 @@
           <a:p>
             <a:fld id="{85B3D1F4-5C06-4015-9524-2593BCFBE206}" type="datetimeFigureOut">
               <a:rPr lang="en-US" smtClean="0"/>
-              <a:t>2016-06-19</a:t>
+              <a:t>9/15/2016</a:t>
             </a:fld>
             <a:endParaRPr lang="en-US"/>
           </a:p>
@@ -808,7 +809,7 @@
           <a:p>
             <a:fld id="{85B3D1F4-5C06-4015-9524-2593BCFBE206}" type="datetimeFigureOut">
               <a:rPr lang="en-US" smtClean="0"/>
-              <a:t>2016-06-19</a:t>
+              <a:t>9/15/2016</a:t>
             </a:fld>
             <a:endParaRPr lang="en-US"/>
           </a:p>
@@ -1054,7 +1055,7 @@
           <a:p>
             <a:fld id="{85B3D1F4-5C06-4015-9524-2593BCFBE206}" type="datetimeFigureOut">
               <a:rPr lang="en-US" smtClean="0"/>
-              <a:t>2016-06-19</a:t>
+              <a:t>9/15/2016</a:t>
             </a:fld>
             <a:endParaRPr lang="en-US"/>
           </a:p>
@@ -1286,7 +1287,7 @@
           <a:p>
             <a:fld id="{85B3D1F4-5C06-4015-9524-2593BCFBE206}" type="datetimeFigureOut">
               <a:rPr lang="en-US" smtClean="0"/>
-              <a:t>2016-06-19</a:t>
+              <a:t>9/15/2016</a:t>
             </a:fld>
             <a:endParaRPr lang="en-US"/>
           </a:p>
@@ -1653,7 +1654,7 @@
           <a:p>
             <a:fld id="{85B3D1F4-5C06-4015-9524-2593BCFBE206}" type="datetimeFigureOut">
               <a:rPr lang="en-US" smtClean="0"/>
-              <a:t>2016-06-19</a:t>
+              <a:t>9/15/2016</a:t>
             </a:fld>
             <a:endParaRPr lang="en-US"/>
           </a:p>
@@ -1771,7 +1772,7 @@
           <a:p>
             <a:fld id="{85B3D1F4-5C06-4015-9524-2593BCFBE206}" type="datetimeFigureOut">
               <a:rPr lang="en-US" smtClean="0"/>
-              <a:t>2016-06-19</a:t>
+              <a:t>9/15/2016</a:t>
             </a:fld>
             <a:endParaRPr lang="en-US"/>
           </a:p>
@@ -1866,7 +1867,7 @@
           <a:p>
             <a:fld id="{85B3D1F4-5C06-4015-9524-2593BCFBE206}" type="datetimeFigureOut">
               <a:rPr lang="en-US" smtClean="0"/>
-              <a:t>2016-06-19</a:t>
+              <a:t>9/15/2016</a:t>
             </a:fld>
             <a:endParaRPr lang="en-US"/>
           </a:p>
@@ -2143,7 +2144,7 @@
           <a:p>
             <a:fld id="{85B3D1F4-5C06-4015-9524-2593BCFBE206}" type="datetimeFigureOut">
               <a:rPr lang="en-US" smtClean="0"/>
-              <a:t>2016-06-19</a:t>
+              <a:t>9/15/2016</a:t>
             </a:fld>
             <a:endParaRPr lang="en-US"/>
           </a:p>
@@ -2396,7 +2397,7 @@
           <a:p>
             <a:fld id="{85B3D1F4-5C06-4015-9524-2593BCFBE206}" type="datetimeFigureOut">
               <a:rPr lang="en-US" smtClean="0"/>
-              <a:t>2016-06-19</a:t>
+              <a:t>9/15/2016</a:t>
             </a:fld>
             <a:endParaRPr lang="en-US"/>
           </a:p>
@@ -2609,7 +2610,7 @@
           <a:p>
             <a:fld id="{85B3D1F4-5C06-4015-9524-2593BCFBE206}" type="datetimeFigureOut">
               <a:rPr lang="en-US" smtClean="0"/>
-              <a:t>2016-06-19</a:t>
+              <a:t>9/15/2016</a:t>
             </a:fld>
             <a:endParaRPr lang="en-US"/>
           </a:p>
@@ -3124,6 +3125,129 @@
           <a:p>
             <a:r>
               <a:rPr lang="en-US" dirty="0" smtClean="0"/>
+              <a:t>Step 5c: Give your box collision</a:t>
+            </a:r>
+            <a:endParaRPr lang="en-US" dirty="0"/>
+          </a:p>
+        </p:txBody>
+      </p:sp>
+      <p:sp>
+        <p:nvSpPr>
+          <p:cNvPr id="3" name="Content Placeholder 2"/>
+          <p:cNvSpPr>
+            <a:spLocks noGrp="1"/>
+          </p:cNvSpPr>
+          <p:nvPr>
+            <p:ph idx="1"/>
+          </p:nvPr>
+        </p:nvSpPr>
+        <p:spPr/>
+        <p:txBody>
+          <a:bodyPr/>
+          <a:lstStyle/>
+          <a:p>
+            <a:r>
+              <a:rPr lang="en-US" dirty="0" smtClean="0"/>
+              <a:t>Add another component, this named “Box collider 2D”</a:t>
+            </a:r>
+          </a:p>
+          <a:p>
+            <a:r>
+              <a:rPr lang="en-US" dirty="0" smtClean="0"/>
+              <a:t>The green lines on your </a:t>
+            </a:r>
+            <a:r>
+              <a:rPr lang="en-US" dirty="0" err="1" smtClean="0"/>
+              <a:t>GameObject</a:t>
+            </a:r>
+            <a:r>
+              <a:rPr lang="en-US" dirty="0" smtClean="0"/>
+              <a:t> are the collision boxes. Click “Edit Collider” to click and drag where you want it to go.</a:t>
+            </a:r>
+          </a:p>
+          <a:p>
+            <a:endParaRPr lang="en-US" dirty="0"/>
+          </a:p>
+        </p:txBody>
+      </p:sp>
+      <p:pic>
+        <p:nvPicPr>
+          <p:cNvPr id="5" name="Picture 4"/>
+          <p:cNvPicPr>
+            <a:picLocks noChangeAspect="1"/>
+          </p:cNvPicPr>
+          <p:nvPr/>
+        </p:nvPicPr>
+        <p:blipFill>
+          <a:blip r:embed="rId2"/>
+          <a:stretch>
+            <a:fillRect/>
+          </a:stretch>
+        </p:blipFill>
+        <p:spPr>
+          <a:xfrm>
+            <a:off x="1671637" y="3526505"/>
+            <a:ext cx="8848725" cy="2981325"/>
+          </a:xfrm>
+          <a:prstGeom prst="rect">
+            <a:avLst/>
+          </a:prstGeom>
+        </p:spPr>
+      </p:pic>
+    </p:spTree>
+    <p:extLst>
+      <p:ext uri="{BB962C8B-B14F-4D97-AF65-F5344CB8AC3E}">
+        <p14:creationId xmlns:p14="http://schemas.microsoft.com/office/powerpoint/2010/main" val="3981436185"/>
+      </p:ext>
+    </p:extLst>
+  </p:cSld>
+  <p:clrMapOvr>
+    <a:masterClrMapping/>
+  </p:clrMapOvr>
+  <p:timing>
+    <p:tnLst>
+      <p:par>
+        <p:cTn id="1" dur="indefinite" restart="never" nodeType="tmRoot"/>
+      </p:par>
+    </p:tnLst>
+  </p:timing>
+</p:sld>
+</file>
+
+<file path=ppt/slides/slide11.xml><?xml version="1.0" encoding="utf-8"?>
+<p:sld xmlns:a="http://schemas.openxmlformats.org/drawingml/2006/main" xmlns:r="http://schemas.openxmlformats.org/officeDocument/2006/relationships" xmlns:p="http://schemas.openxmlformats.org/presentationml/2006/main">
+  <p:cSld>
+    <p:spTree>
+      <p:nvGrpSpPr>
+        <p:cNvPr id="1" name=""/>
+        <p:cNvGrpSpPr/>
+        <p:nvPr/>
+      </p:nvGrpSpPr>
+      <p:grpSpPr>
+        <a:xfrm>
+          <a:off x="0" y="0"/>
+          <a:ext cx="0" cy="0"/>
+          <a:chOff x="0" y="0"/>
+          <a:chExt cx="0" cy="0"/>
+        </a:xfrm>
+      </p:grpSpPr>
+      <p:sp>
+        <p:nvSpPr>
+          <p:cNvPr id="2" name="Title 1"/>
+          <p:cNvSpPr>
+            <a:spLocks noGrp="1"/>
+          </p:cNvSpPr>
+          <p:nvPr>
+            <p:ph type="title"/>
+          </p:nvPr>
+        </p:nvSpPr>
+        <p:spPr/>
+        <p:txBody>
+          <a:bodyPr/>
+          <a:lstStyle/>
+          <a:p>
+            <a:r>
+              <a:rPr lang="en-US" dirty="0" smtClean="0"/>
               <a:t>Step 6: Make a platform</a:t>
             </a:r>
             <a:endParaRPr lang="en-US" dirty="0"/>
@@ -3215,7 +3339,7 @@
 </p:sld>
 </file>
 
-<file path=ppt/slides/slide11.xml><?xml version="1.0" encoding="utf-8"?>
+<file path=ppt/slides/slide12.xml><?xml version="1.0" encoding="utf-8"?>
 <p:sld xmlns:a="http://schemas.openxmlformats.org/drawingml/2006/main" xmlns:r="http://schemas.openxmlformats.org/officeDocument/2006/relationships" xmlns:p="http://schemas.openxmlformats.org/presentationml/2006/main">
   <p:cSld>
     <p:spTree>
@@ -3298,7 +3422,7 @@
 </p:sld>
 </file>
 
-<file path=ppt/slides/slide12.xml><?xml version="1.0" encoding="utf-8"?>
+<file path=ppt/slides/slide13.xml><?xml version="1.0" encoding="utf-8"?>
 <p:sld xmlns:a="http://schemas.openxmlformats.org/drawingml/2006/main" xmlns:r="http://schemas.openxmlformats.org/officeDocument/2006/relationships" xmlns:p="http://schemas.openxmlformats.org/presentationml/2006/main">
   <p:cSld>
     <p:spTree>
@@ -3381,7 +3505,7 @@
 </p:sld>
 </file>
 
-<file path=ppt/slides/slide13.xml><?xml version="1.0" encoding="utf-8"?>
+<file path=ppt/slides/slide14.xml><?xml version="1.0" encoding="utf-8"?>
 <p:sld xmlns:a="http://schemas.openxmlformats.org/drawingml/2006/main" xmlns:r="http://schemas.openxmlformats.org/officeDocument/2006/relationships" xmlns:p="http://schemas.openxmlformats.org/presentationml/2006/main">
   <p:cSld>
     <p:spTree>
@@ -3470,7 +3594,7 @@
 </p:sld>
 </file>
 
-<file path=ppt/slides/slide14.xml><?xml version="1.0" encoding="utf-8"?>
+<file path=ppt/slides/slide15.xml><?xml version="1.0" encoding="utf-8"?>
 <p:sld xmlns:a="http://schemas.openxmlformats.org/drawingml/2006/main" xmlns:r="http://schemas.openxmlformats.org/officeDocument/2006/relationships" xmlns:p="http://schemas.openxmlformats.org/presentationml/2006/main">
   <p:cSld>
     <p:spTree>
@@ -3639,7 +3763,7 @@
 </p:sld>
 </file>
 
-<file path=ppt/slides/slide15.xml><?xml version="1.0" encoding="utf-8"?>
+<file path=ppt/slides/slide16.xml><?xml version="1.0" encoding="utf-8"?>
 <p:sld xmlns:a="http://schemas.openxmlformats.org/drawingml/2006/main" xmlns:r="http://schemas.openxmlformats.org/officeDocument/2006/relationships" xmlns:p="http://schemas.openxmlformats.org/presentationml/2006/main">
   <p:cSld>
     <p:spTree>
@@ -3756,7 +3880,7 @@
 </p:sld>
 </file>
 
-<file path=ppt/slides/slide16.xml><?xml version="1.0" encoding="utf-8"?>
+<file path=ppt/slides/slide17.xml><?xml version="1.0" encoding="utf-8"?>
 <p:sld xmlns:a="http://schemas.openxmlformats.org/drawingml/2006/main" xmlns:r="http://schemas.openxmlformats.org/officeDocument/2006/relationships" xmlns:p="http://schemas.openxmlformats.org/presentationml/2006/main">
   <p:cSld>
     <p:spTree>
@@ -3839,7 +3963,7 @@
 </p:sld>
 </file>
 
-<file path=ppt/slides/slide17.xml><?xml version="1.0" encoding="utf-8"?>
+<file path=ppt/slides/slide18.xml><?xml version="1.0" encoding="utf-8"?>
 <p:sld xmlns:a="http://schemas.openxmlformats.org/drawingml/2006/main" xmlns:r="http://schemas.openxmlformats.org/officeDocument/2006/relationships" xmlns:p="http://schemas.openxmlformats.org/presentationml/2006/main">
   <p:cSld>
     <p:spTree>
@@ -3940,7 +4064,7 @@
 </p:sld>
 </file>
 
-<file path=ppt/slides/slide18.xml><?xml version="1.0" encoding="utf-8"?>
+<file path=ppt/slides/slide19.xml><?xml version="1.0" encoding="utf-8"?>
 <p:sld xmlns:a="http://schemas.openxmlformats.org/drawingml/2006/main" xmlns:r="http://schemas.openxmlformats.org/officeDocument/2006/relationships" xmlns:p="http://schemas.openxmlformats.org/presentationml/2006/main">
   <p:cSld>
     <p:spTree>
@@ -4024,7 +4148,121 @@
 </p:sld>
 </file>
 
-<file path=ppt/slides/slide19.xml><?xml version="1.0" encoding="utf-8"?>
+<file path=ppt/slides/slide2.xml><?xml version="1.0" encoding="utf-8"?>
+<p:sld xmlns:a="http://schemas.openxmlformats.org/drawingml/2006/main" xmlns:r="http://schemas.openxmlformats.org/officeDocument/2006/relationships" xmlns:p="http://schemas.openxmlformats.org/presentationml/2006/main">
+  <p:cSld>
+    <p:spTree>
+      <p:nvGrpSpPr>
+        <p:cNvPr id="1" name=""/>
+        <p:cNvGrpSpPr/>
+        <p:nvPr/>
+      </p:nvGrpSpPr>
+      <p:grpSpPr>
+        <a:xfrm>
+          <a:off x="0" y="0"/>
+          <a:ext cx="0" cy="0"/>
+          <a:chOff x="0" y="0"/>
+          <a:chExt cx="0" cy="0"/>
+        </a:xfrm>
+      </p:grpSpPr>
+      <p:sp>
+        <p:nvSpPr>
+          <p:cNvPr id="2" name="Title 1"/>
+          <p:cNvSpPr>
+            <a:spLocks noGrp="1"/>
+          </p:cNvSpPr>
+          <p:nvPr>
+            <p:ph type="title"/>
+          </p:nvPr>
+        </p:nvSpPr>
+        <p:spPr/>
+        <p:txBody>
+          <a:bodyPr/>
+          <a:lstStyle/>
+          <a:p>
+            <a:r>
+              <a:rPr lang="en-US" dirty="0" smtClean="0"/>
+              <a:t>Step 1: Download this </a:t>
+            </a:r>
+            <a:r>
+              <a:rPr lang="en-US" dirty="0" err="1" smtClean="0"/>
+              <a:t>powerpoint</a:t>
+            </a:r>
+            <a:endParaRPr lang="en-US" dirty="0"/>
+          </a:p>
+        </p:txBody>
+      </p:sp>
+      <p:sp>
+        <p:nvSpPr>
+          <p:cNvPr id="3" name="Content Placeholder 2"/>
+          <p:cNvSpPr>
+            <a:spLocks noGrp="1"/>
+          </p:cNvSpPr>
+          <p:nvPr>
+            <p:ph idx="1"/>
+          </p:nvPr>
+        </p:nvSpPr>
+        <p:spPr/>
+        <p:txBody>
+          <a:bodyPr/>
+          <a:lstStyle/>
+          <a:p>
+            <a:r>
+              <a:rPr lang="en-US" dirty="0" smtClean="0"/>
+              <a:t>Good! If you aren’t reading this on another computer, you got it.</a:t>
+            </a:r>
+          </a:p>
+          <a:p>
+            <a:r>
+              <a:rPr lang="en-US" dirty="0" smtClean="0"/>
+              <a:t>Otherwise go </a:t>
+            </a:r>
+            <a:r>
+              <a:rPr lang="en-US" dirty="0"/>
+              <a:t>to </a:t>
+            </a:r>
+            <a:r>
+              <a:rPr lang="en-US" dirty="0">
+                <a:hlinkClick r:id="rId2"/>
+              </a:rPr>
+              <a:t>https://</a:t>
+            </a:r>
+            <a:r>
+              <a:rPr lang="en-US" dirty="0" smtClean="0">
+                <a:hlinkClick r:id="rId2"/>
+              </a:rPr>
+              <a:t>github.com/Lonswaya/PlatformerFighter</a:t>
+            </a:r>
+            <a:r>
+              <a:rPr lang="en-US" dirty="0" smtClean="0"/>
+              <a:t>, and find the file “</a:t>
+            </a:r>
+            <a:r>
+              <a:rPr lang="en-US" b="1" dirty="0" smtClean="0"/>
+              <a:t>PlatformerFighterInstructions.pptx</a:t>
+            </a:r>
+            <a:r>
+              <a:rPr lang="en-US" dirty="0" smtClean="0"/>
+              <a:t>”</a:t>
+            </a:r>
+            <a:endParaRPr lang="en-US" dirty="0"/>
+          </a:p>
+        </p:txBody>
+      </p:sp>
+    </p:spTree>
+    <p:extLst>
+      <p:ext uri="{BB962C8B-B14F-4D97-AF65-F5344CB8AC3E}">
+        <p14:creationId xmlns:p14="http://schemas.microsoft.com/office/powerpoint/2010/main" val="1346599632"/>
+      </p:ext>
+    </p:extLst>
+  </p:cSld>
+  <p:clrMapOvr>
+    <a:masterClrMapping/>
+  </p:clrMapOvr>
+</p:sld>
+</file>
+
+<file path=ppt/slides/slide20.xml><?xml version="1.0" encoding="utf-8"?>
 <p:sld xmlns:a="http://schemas.openxmlformats.org/drawingml/2006/main" xmlns:r="http://schemas.openxmlformats.org/officeDocument/2006/relationships" xmlns:p="http://schemas.openxmlformats.org/presentationml/2006/main">
   <p:cSld>
     <p:spTree>
@@ -4147,96 +4385,7 @@
 </p:sld>
 </file>
 
-<file path=ppt/slides/slide2.xml><?xml version="1.0" encoding="utf-8"?>
-<p:sld xmlns:a="http://schemas.openxmlformats.org/drawingml/2006/main" xmlns:r="http://schemas.openxmlformats.org/officeDocument/2006/relationships" xmlns:p="http://schemas.openxmlformats.org/presentationml/2006/main">
-  <p:cSld>
-    <p:spTree>
-      <p:nvGrpSpPr>
-        <p:cNvPr id="1" name=""/>
-        <p:cNvGrpSpPr/>
-        <p:nvPr/>
-      </p:nvGrpSpPr>
-      <p:grpSpPr>
-        <a:xfrm>
-          <a:off x="0" y="0"/>
-          <a:ext cx="0" cy="0"/>
-          <a:chOff x="0" y="0"/>
-          <a:chExt cx="0" cy="0"/>
-        </a:xfrm>
-      </p:grpSpPr>
-      <p:sp>
-        <p:nvSpPr>
-          <p:cNvPr id="2" name="Title 1"/>
-          <p:cNvSpPr>
-            <a:spLocks noGrp="1"/>
-          </p:cNvSpPr>
-          <p:nvPr>
-            <p:ph type="title"/>
-          </p:nvPr>
-        </p:nvSpPr>
-        <p:spPr/>
-        <p:txBody>
-          <a:bodyPr/>
-          <a:lstStyle/>
-          <a:p>
-            <a:r>
-              <a:rPr lang="en-US" dirty="0" smtClean="0"/>
-              <a:t>Step 1: Install Unity</a:t>
-            </a:r>
-            <a:endParaRPr lang="en-US" dirty="0"/>
-          </a:p>
-        </p:txBody>
-      </p:sp>
-      <p:sp>
-        <p:nvSpPr>
-          <p:cNvPr id="3" name="Content Placeholder 2"/>
-          <p:cNvSpPr>
-            <a:spLocks noGrp="1"/>
-          </p:cNvSpPr>
-          <p:nvPr>
-            <p:ph idx="1"/>
-          </p:nvPr>
-        </p:nvSpPr>
-        <p:spPr/>
-        <p:txBody>
-          <a:bodyPr/>
-          <a:lstStyle/>
-          <a:p>
-            <a:r>
-              <a:rPr lang="en-US" dirty="0" smtClean="0"/>
-              <a:t>Install Unity Personal Edition [http://unity3d.com/get-unity/download]</a:t>
-            </a:r>
-          </a:p>
-          <a:p>
-            <a:r>
-              <a:rPr lang="en-US" dirty="0" smtClean="0"/>
-              <a:t>Consider creating a Unity account beforehand, this lets you buy/sell/download Unity assets.	</a:t>
-            </a:r>
-            <a:endParaRPr lang="en-US" dirty="0"/>
-          </a:p>
-        </p:txBody>
-      </p:sp>
-    </p:spTree>
-    <p:extLst>
-      <p:ext uri="{BB962C8B-B14F-4D97-AF65-F5344CB8AC3E}">
-        <p14:creationId xmlns:p14="http://schemas.microsoft.com/office/powerpoint/2010/main" val="2245649414"/>
-      </p:ext>
-    </p:extLst>
-  </p:cSld>
-  <p:clrMapOvr>
-    <a:masterClrMapping/>
-  </p:clrMapOvr>
-  <p:timing>
-    <p:tnLst>
-      <p:par>
-        <p:cTn id="1" dur="indefinite" restart="never" nodeType="tmRoot"/>
-      </p:par>
-    </p:tnLst>
-  </p:timing>
-</p:sld>
-</file>
-
-<file path=ppt/slides/slide20.xml><?xml version="1.0" encoding="utf-8"?>
+<file path=ppt/slides/slide21.xml><?xml version="1.0" encoding="utf-8"?>
 <p:sld xmlns:a="http://schemas.openxmlformats.org/drawingml/2006/main" xmlns:r="http://schemas.openxmlformats.org/officeDocument/2006/relationships" xmlns:p="http://schemas.openxmlformats.org/presentationml/2006/main">
   <p:cSld>
     <p:spTree>
@@ -4386,7 +4535,7 @@
 </p:sld>
 </file>
 
-<file path=ppt/slides/slide21.xml><?xml version="1.0" encoding="utf-8"?>
+<file path=ppt/slides/slide22.xml><?xml version="1.0" encoding="utf-8"?>
 <p:sld xmlns:a="http://schemas.openxmlformats.org/drawingml/2006/main" xmlns:r="http://schemas.openxmlformats.org/officeDocument/2006/relationships" xmlns:p="http://schemas.openxmlformats.org/presentationml/2006/main">
   <p:cSld>
     <p:spTree>
@@ -4503,7 +4652,7 @@
 </p:sld>
 </file>
 
-<file path=ppt/slides/slide22.xml><?xml version="1.0" encoding="utf-8"?>
+<file path=ppt/slides/slide23.xml><?xml version="1.0" encoding="utf-8"?>
 <p:sld xmlns:a="http://schemas.openxmlformats.org/drawingml/2006/main" xmlns:r="http://schemas.openxmlformats.org/officeDocument/2006/relationships" xmlns:p="http://schemas.openxmlformats.org/presentationml/2006/main">
   <p:cSld>
     <p:spTree>
@@ -4587,7 +4736,7 @@
 </p:sld>
 </file>
 
-<file path=ppt/slides/slide23.xml><?xml version="1.0" encoding="utf-8"?>
+<file path=ppt/slides/slide24.xml><?xml version="1.0" encoding="utf-8"?>
 <p:sld xmlns:a="http://schemas.openxmlformats.org/drawingml/2006/main" xmlns:r="http://schemas.openxmlformats.org/officeDocument/2006/relationships" xmlns:p="http://schemas.openxmlformats.org/presentationml/2006/main">
   <p:cSld>
     <p:spTree>
@@ -4670,7 +4819,6 @@
               <a:rPr lang="en-US" dirty="0" smtClean="0"/>
               <a:t>, so if you make a change and apply it to the prefab, all other prefab references change and update as well. </a:t>
             </a:r>
-            <a:endParaRPr lang="en-US" dirty="0" smtClean="0"/>
           </a:p>
           <a:p>
             <a:r>
@@ -4705,15 +4853,7 @@
             </a:r>
             <a:r>
               <a:rPr lang="en-US" dirty="0" smtClean="0"/>
-              <a:t> from 0 to 1 and 2 on </a:t>
-            </a:r>
-            <a:r>
-              <a:rPr lang="en-US" dirty="0" smtClean="0"/>
-              <a:t>the </a:t>
-            </a:r>
-            <a:r>
-              <a:rPr lang="en-US" dirty="0" smtClean="0"/>
-              <a:t>first and second players, respectively. </a:t>
+              <a:t> from 0 to 1 and 2 on the first and second players, respectively. </a:t>
             </a:r>
             <a:endParaRPr lang="en-US" dirty="0"/>
           </a:p>
@@ -4739,7 +4879,7 @@
 </p:sld>
 </file>
 
-<file path=ppt/slides/slide24.xml><?xml version="1.0" encoding="utf-8"?>
+<file path=ppt/slides/slide25.xml><?xml version="1.0" encoding="utf-8"?>
 <p:sld xmlns:a="http://schemas.openxmlformats.org/drawingml/2006/main" xmlns:r="http://schemas.openxmlformats.org/officeDocument/2006/relationships" xmlns:p="http://schemas.openxmlformats.org/presentationml/2006/main">
   <p:cSld>
     <p:spTree>
@@ -4827,7 +4967,7 @@
 </p:sld>
 </file>
 
-<file path=ppt/slides/slide25.xml><?xml version="1.0" encoding="utf-8"?>
+<file path=ppt/slides/slide26.xml><?xml version="1.0" encoding="utf-8"?>
 <p:sld xmlns:a="http://schemas.openxmlformats.org/drawingml/2006/main" xmlns:r="http://schemas.openxmlformats.org/officeDocument/2006/relationships" xmlns:p="http://schemas.openxmlformats.org/presentationml/2006/main">
   <p:cSld>
     <p:spTree>
@@ -4951,7 +5091,7 @@
 </p:sld>
 </file>
 
-<file path=ppt/slides/slide26.xml><?xml version="1.0" encoding="utf-8"?>
+<file path=ppt/slides/slide27.xml><?xml version="1.0" encoding="utf-8"?>
 <p:sld xmlns:a="http://schemas.openxmlformats.org/drawingml/2006/main" xmlns:r="http://schemas.openxmlformats.org/officeDocument/2006/relationships" xmlns:p="http://schemas.openxmlformats.org/presentationml/2006/main">
   <p:cSld>
     <p:spTree>
@@ -5039,7 +5179,7 @@
 </p:sld>
 </file>
 
-<file path=ppt/slides/slide27.xml><?xml version="1.0" encoding="utf-8"?>
+<file path=ppt/slides/slide28.xml><?xml version="1.0" encoding="utf-8"?>
 <p:sld xmlns:a="http://schemas.openxmlformats.org/drawingml/2006/main" xmlns:r="http://schemas.openxmlformats.org/officeDocument/2006/relationships" xmlns:p="http://schemas.openxmlformats.org/presentationml/2006/main">
   <p:cSld>
     <p:spTree>
@@ -5115,7 +5255,7 @@
 </p:sld>
 </file>
 
-<file path=ppt/slides/slide28.xml><?xml version="1.0" encoding="utf-8"?>
+<file path=ppt/slides/slide29.xml><?xml version="1.0" encoding="utf-8"?>
 <p:sld xmlns:a="http://schemas.openxmlformats.org/drawingml/2006/main" xmlns:r="http://schemas.openxmlformats.org/officeDocument/2006/relationships" xmlns:p="http://schemas.openxmlformats.org/presentationml/2006/main">
   <p:cSld>
     <p:spTree>
@@ -5231,7 +5371,161 @@
 </p:sld>
 </file>
 
-<file path=ppt/slides/slide29.xml><?xml version="1.0" encoding="utf-8"?>
+<file path=ppt/slides/slide3.xml><?xml version="1.0" encoding="utf-8"?>
+<p:sld xmlns:a="http://schemas.openxmlformats.org/drawingml/2006/main" xmlns:r="http://schemas.openxmlformats.org/officeDocument/2006/relationships" xmlns:p="http://schemas.openxmlformats.org/presentationml/2006/main">
+  <p:cSld>
+    <p:spTree>
+      <p:nvGrpSpPr>
+        <p:cNvPr id="1" name=""/>
+        <p:cNvGrpSpPr/>
+        <p:nvPr/>
+      </p:nvGrpSpPr>
+      <p:grpSpPr>
+        <a:xfrm>
+          <a:off x="0" y="0"/>
+          <a:ext cx="0" cy="0"/>
+          <a:chOff x="0" y="0"/>
+          <a:chExt cx="0" cy="0"/>
+        </a:xfrm>
+      </p:grpSpPr>
+      <p:sp>
+        <p:nvSpPr>
+          <p:cNvPr id="2" name="Title 1"/>
+          <p:cNvSpPr>
+            <a:spLocks noGrp="1"/>
+          </p:cNvSpPr>
+          <p:nvPr>
+            <p:ph type="title"/>
+          </p:nvPr>
+        </p:nvSpPr>
+        <p:spPr/>
+        <p:txBody>
+          <a:bodyPr/>
+          <a:lstStyle/>
+          <a:p>
+            <a:r>
+              <a:rPr lang="en-US" dirty="0" smtClean="0"/>
+              <a:t>Step </a:t>
+            </a:r>
+            <a:r>
+              <a:rPr lang="en-US" dirty="0" smtClean="0"/>
+              <a:t>2: </a:t>
+            </a:r>
+            <a:r>
+              <a:rPr lang="en-US" dirty="0" smtClean="0"/>
+              <a:t>Install Unity</a:t>
+            </a:r>
+            <a:endParaRPr lang="en-US" dirty="0"/>
+          </a:p>
+        </p:txBody>
+      </p:sp>
+      <p:sp>
+        <p:nvSpPr>
+          <p:cNvPr id="3" name="Content Placeholder 2"/>
+          <p:cNvSpPr>
+            <a:spLocks noGrp="1"/>
+          </p:cNvSpPr>
+          <p:nvPr>
+            <p:ph idx="1"/>
+          </p:nvPr>
+        </p:nvSpPr>
+        <p:spPr/>
+        <p:txBody>
+          <a:bodyPr/>
+          <a:lstStyle/>
+          <a:p>
+            <a:r>
+              <a:rPr lang="en-US" dirty="0" smtClean="0"/>
+              <a:t>If you are using a personal computer</a:t>
+            </a:r>
+          </a:p>
+          <a:p>
+            <a:pPr lvl="1"/>
+            <a:r>
+              <a:rPr lang="en-US" dirty="0" smtClean="0"/>
+              <a:t>Install </a:t>
+            </a:r>
+            <a:r>
+              <a:rPr lang="en-US" dirty="0" smtClean="0"/>
+              <a:t>Unity Personal Edition [http://unity3d.com/get-unity/download</a:t>
+            </a:r>
+            <a:r>
+              <a:rPr lang="en-US" dirty="0" smtClean="0"/>
+              <a:t>]</a:t>
+            </a:r>
+          </a:p>
+          <a:p>
+            <a:pPr lvl="1"/>
+            <a:r>
+              <a:rPr lang="en-US" dirty="0" smtClean="0"/>
+              <a:t>When installing, uncheck “install visual studio”, it takes less time to install this way</a:t>
+            </a:r>
+          </a:p>
+          <a:p>
+            <a:r>
+              <a:rPr lang="en-US" dirty="0" smtClean="0"/>
+              <a:t>Otherwise, Unity is installed on the lab computers.</a:t>
+            </a:r>
+            <a:endParaRPr lang="en-US" dirty="0" smtClean="0"/>
+          </a:p>
+          <a:p>
+            <a:r>
+              <a:rPr lang="en-US" dirty="0" smtClean="0"/>
+              <a:t>Create a </a:t>
+            </a:r>
+            <a:r>
+              <a:rPr lang="en-US" i="1" dirty="0" smtClean="0"/>
+              <a:t>Unity Account</a:t>
+            </a:r>
+            <a:r>
+              <a:rPr lang="en-US" dirty="0" smtClean="0"/>
+              <a:t>, follow instructions on </a:t>
+            </a:r>
+            <a:r>
+              <a:rPr lang="en-US" dirty="0"/>
+              <a:t>the launcher or go to </a:t>
+            </a:r>
+            <a:r>
+              <a:rPr lang="en-US" dirty="0">
+                <a:hlinkClick r:id="rId2"/>
+              </a:rPr>
+              <a:t>https://</a:t>
+            </a:r>
+            <a:r>
+              <a:rPr lang="en-US" dirty="0" smtClean="0">
+                <a:hlinkClick r:id="rId2"/>
+              </a:rPr>
+              <a:t>id.unity.com/account/new</a:t>
+            </a:r>
+            <a:r>
+              <a:rPr lang="en-US" dirty="0" smtClean="0"/>
+              <a:t> </a:t>
+            </a:r>
+            <a:endParaRPr lang="en-US" i="1" dirty="0"/>
+          </a:p>
+        </p:txBody>
+      </p:sp>
+    </p:spTree>
+    <p:extLst>
+      <p:ext uri="{BB962C8B-B14F-4D97-AF65-F5344CB8AC3E}">
+        <p14:creationId xmlns:p14="http://schemas.microsoft.com/office/powerpoint/2010/main" val="2245649414"/>
+      </p:ext>
+    </p:extLst>
+  </p:cSld>
+  <p:clrMapOvr>
+    <a:masterClrMapping/>
+  </p:clrMapOvr>
+  <p:timing>
+    <p:tnLst>
+      <p:par>
+        <p:cTn id="1" dur="indefinite" restart="never" nodeType="tmRoot"/>
+      </p:par>
+    </p:tnLst>
+  </p:timing>
+</p:sld>
+</file>
+
+<file path=ppt/slides/slide30.xml><?xml version="1.0" encoding="utf-8"?>
 <p:sld xmlns:a="http://schemas.openxmlformats.org/drawingml/2006/main" xmlns:r="http://schemas.openxmlformats.org/officeDocument/2006/relationships" xmlns:p="http://schemas.openxmlformats.org/presentationml/2006/main">
   <p:cSld>
     <p:spTree>
@@ -5396,150 +5690,7 @@
 </p:sld>
 </file>
 
-<file path=ppt/slides/slide3.xml><?xml version="1.0" encoding="utf-8"?>
-<p:sld xmlns:a="http://schemas.openxmlformats.org/drawingml/2006/main" xmlns:r="http://schemas.openxmlformats.org/officeDocument/2006/relationships" xmlns:p="http://schemas.openxmlformats.org/presentationml/2006/main">
-  <p:cSld>
-    <p:spTree>
-      <p:nvGrpSpPr>
-        <p:cNvPr id="1" name=""/>
-        <p:cNvGrpSpPr/>
-        <p:nvPr/>
-      </p:nvGrpSpPr>
-      <p:grpSpPr>
-        <a:xfrm>
-          <a:off x="0" y="0"/>
-          <a:ext cx="0" cy="0"/>
-          <a:chOff x="0" y="0"/>
-          <a:chExt cx="0" cy="0"/>
-        </a:xfrm>
-      </p:grpSpPr>
-      <p:sp>
-        <p:nvSpPr>
-          <p:cNvPr id="2" name="Title 1"/>
-          <p:cNvSpPr>
-            <a:spLocks noGrp="1"/>
-          </p:cNvSpPr>
-          <p:nvPr>
-            <p:ph type="title"/>
-          </p:nvPr>
-        </p:nvSpPr>
-        <p:spPr/>
-        <p:txBody>
-          <a:bodyPr/>
-          <a:lstStyle/>
-          <a:p>
-            <a:r>
-              <a:rPr lang="en-US" dirty="0" smtClean="0"/>
-              <a:t>Step 2: New Project</a:t>
-            </a:r>
-            <a:endParaRPr lang="en-US" dirty="0"/>
-          </a:p>
-        </p:txBody>
-      </p:sp>
-      <p:sp>
-        <p:nvSpPr>
-          <p:cNvPr id="3" name="Content Placeholder 2"/>
-          <p:cNvSpPr>
-            <a:spLocks noGrp="1"/>
-          </p:cNvSpPr>
-          <p:nvPr>
-            <p:ph idx="1"/>
-          </p:nvPr>
-        </p:nvSpPr>
-        <p:spPr/>
-        <p:txBody>
-          <a:bodyPr/>
-          <a:lstStyle/>
-          <a:p>
-            <a:r>
-              <a:rPr lang="en-US" dirty="0" smtClean="0"/>
-              <a:t>Click the                button</a:t>
-            </a:r>
-          </a:p>
-          <a:p>
-            <a:r>
-              <a:rPr lang="en-US" dirty="0" smtClean="0"/>
-              <a:t>Name the project whatever you want, select 2D, and confirm where you want to store it</a:t>
-            </a:r>
-          </a:p>
-          <a:p>
-            <a:r>
-              <a:rPr lang="en-US" dirty="0" smtClean="0"/>
-              <a:t>If you are on a lab computer, save it to your network drive. Saving it on a desktop computer will wipe it once you log out </a:t>
-            </a:r>
-            <a:endParaRPr lang="en-US" dirty="0"/>
-          </a:p>
-        </p:txBody>
-      </p:sp>
-      <p:pic>
-        <p:nvPicPr>
-          <p:cNvPr id="4" name="Picture 3"/>
-          <p:cNvPicPr>
-            <a:picLocks noChangeAspect="1"/>
-          </p:cNvPicPr>
-          <p:nvPr/>
-        </p:nvPicPr>
-        <p:blipFill>
-          <a:blip r:embed="rId2"/>
-          <a:stretch>
-            <a:fillRect/>
-          </a:stretch>
-        </p:blipFill>
-        <p:spPr>
-          <a:xfrm>
-            <a:off x="2492543" y="1690688"/>
-            <a:ext cx="1143000" cy="666750"/>
-          </a:xfrm>
-          <a:prstGeom prst="rect">
-            <a:avLst/>
-          </a:prstGeom>
-        </p:spPr>
-      </p:pic>
-      <p:pic>
-        <p:nvPicPr>
-          <p:cNvPr id="5" name="Picture 4"/>
-          <p:cNvPicPr>
-            <a:picLocks noChangeAspect="1"/>
-          </p:cNvPicPr>
-          <p:nvPr/>
-        </p:nvPicPr>
-        <p:blipFill>
-          <a:blip r:embed="rId3"/>
-          <a:stretch>
-            <a:fillRect/>
-          </a:stretch>
-        </p:blipFill>
-        <p:spPr>
-          <a:xfrm>
-            <a:off x="3790950" y="4181475"/>
-            <a:ext cx="4610100" cy="2676525"/>
-          </a:xfrm>
-          <a:prstGeom prst="rect">
-            <a:avLst/>
-          </a:prstGeom>
-        </p:spPr>
-      </p:pic>
-    </p:spTree>
-    <p:extLst>
-      <p:ext uri="{BB962C8B-B14F-4D97-AF65-F5344CB8AC3E}">
-        <p14:creationId xmlns:p14="http://schemas.microsoft.com/office/powerpoint/2010/main" val="3738006866"/>
-      </p:ext>
-    </p:extLst>
-  </p:cSld>
-  <p:clrMapOvr>
-    <a:masterClrMapping/>
-  </p:clrMapOvr>
-  <p:timing>
-    <p:tnLst>
-      <p:par>
-        <p:cTn id="1" dur="indefinite" restart="never" nodeType="tmRoot"/>
-      </p:par>
-    </p:tnLst>
-  </p:timing>
-</p:sld>
-</file>
-
-<file path=ppt/slides/slide30.xml><?xml version="1.0" encoding="utf-8"?>
+<file path=ppt/slides/slide31.xml><?xml version="1.0" encoding="utf-8"?>
 <p:sld xmlns:a="http://schemas.openxmlformats.org/drawingml/2006/main" xmlns:r="http://schemas.openxmlformats.org/officeDocument/2006/relationships" xmlns:p="http://schemas.openxmlformats.org/presentationml/2006/main">
   <p:cSld>
     <p:spTree>
@@ -5616,7 +5767,7 @@
 </p:sld>
 </file>
 
-<file path=ppt/slides/slide31.xml><?xml version="1.0" encoding="utf-8"?>
+<file path=ppt/slides/slide32.xml><?xml version="1.0" encoding="utf-8"?>
 <p:sld xmlns:a="http://schemas.openxmlformats.org/drawingml/2006/main" xmlns:r="http://schemas.openxmlformats.org/officeDocument/2006/relationships" xmlns:p="http://schemas.openxmlformats.org/presentationml/2006/main">
   <p:cSld>
     <p:spTree>
@@ -5693,121 +5844,6 @@
 </p:sld>
 </file>
 
-<file path=ppt/slides/slide32.xml><?xml version="1.0" encoding="utf-8"?>
-<p:sld xmlns:a="http://schemas.openxmlformats.org/drawingml/2006/main" xmlns:r="http://schemas.openxmlformats.org/officeDocument/2006/relationships" xmlns:p="http://schemas.openxmlformats.org/presentationml/2006/main">
-  <p:cSld>
-    <p:spTree>
-      <p:nvGrpSpPr>
-        <p:cNvPr id="1" name=""/>
-        <p:cNvGrpSpPr/>
-        <p:nvPr/>
-      </p:nvGrpSpPr>
-      <p:grpSpPr>
-        <a:xfrm>
-          <a:off x="0" y="0"/>
-          <a:ext cx="0" cy="0"/>
-          <a:chOff x="0" y="0"/>
-          <a:chExt cx="0" cy="0"/>
-        </a:xfrm>
-      </p:grpSpPr>
-      <p:sp>
-        <p:nvSpPr>
-          <p:cNvPr id="2" name="Title 1"/>
-          <p:cNvSpPr>
-            <a:spLocks noGrp="1"/>
-          </p:cNvSpPr>
-          <p:nvPr>
-            <p:ph type="title"/>
-          </p:nvPr>
-        </p:nvSpPr>
-        <p:spPr/>
-        <p:txBody>
-          <a:bodyPr/>
-          <a:lstStyle/>
-          <a:p>
-            <a:r>
-              <a:rPr lang="en-US" dirty="0" smtClean="0"/>
-              <a:t>Step 11d: Try it out!</a:t>
-            </a:r>
-            <a:endParaRPr lang="en-US" dirty="0"/>
-          </a:p>
-        </p:txBody>
-      </p:sp>
-      <p:sp>
-        <p:nvSpPr>
-          <p:cNvPr id="3" name="Content Placeholder 2"/>
-          <p:cNvSpPr>
-            <a:spLocks noGrp="1"/>
-          </p:cNvSpPr>
-          <p:nvPr>
-            <p:ph idx="1"/>
-          </p:nvPr>
-        </p:nvSpPr>
-        <p:spPr/>
-        <p:txBody>
-          <a:bodyPr>
-            <a:normAutofit lnSpcReduction="10000"/>
-          </a:bodyPr>
-          <a:lstStyle/>
-          <a:p>
-            <a:r>
-              <a:rPr lang="en-US" dirty="0" smtClean="0"/>
-              <a:t>Make sure you hit “apply” for the prefab.</a:t>
-            </a:r>
-          </a:p>
-          <a:p>
-            <a:r>
-              <a:rPr lang="en-US" dirty="0"/>
-              <a:t>C</a:t>
-            </a:r>
-            <a:r>
-              <a:rPr lang="en-US" dirty="0" smtClean="0"/>
-              <a:t>lick the play button and try out the fighting. You can finally punch around and try to knock the other player off the edge!</a:t>
-            </a:r>
-          </a:p>
-          <a:p>
-            <a:r>
-              <a:rPr lang="en-US" dirty="0" smtClean="0"/>
-              <a:t>Troubleshooting:</a:t>
-            </a:r>
-          </a:p>
-          <a:p>
-            <a:pPr lvl="1"/>
-            <a:r>
-              <a:rPr lang="en-US" dirty="0" smtClean="0"/>
-              <a:t>If you are not getting any responses, make sure you have the Input axes configured to be correct. Remember, the string that you pass when getting an axis has to be correctly spelled and capitalized.</a:t>
-            </a:r>
-          </a:p>
-          <a:p>
-            <a:pPr lvl="1"/>
-            <a:r>
-              <a:rPr lang="en-US" dirty="0" smtClean="0"/>
-              <a:t>If you are still not getting punches, make sure your collision circles are big enough, and ensure “Is Trigger” is selected</a:t>
-            </a:r>
-          </a:p>
-          <a:p>
-            <a:pPr lvl="1"/>
-            <a:r>
-              <a:rPr lang="en-US" dirty="0" smtClean="0"/>
-              <a:t>If all else fails, try to add print() calls to figure out what functions are being called and what functions are not being called. They will be outputted on the console on the bottom tab.</a:t>
-            </a:r>
-            <a:endParaRPr lang="en-US" dirty="0"/>
-          </a:p>
-        </p:txBody>
-      </p:sp>
-    </p:spTree>
-    <p:extLst>
-      <p:ext uri="{BB962C8B-B14F-4D97-AF65-F5344CB8AC3E}">
-        <p14:creationId xmlns:p14="http://schemas.microsoft.com/office/powerpoint/2010/main" val="25168149"/>
-      </p:ext>
-    </p:extLst>
-  </p:cSld>
-  <p:clrMapOvr>
-    <a:masterClrMapping/>
-  </p:clrMapOvr>
-</p:sld>
-</file>
-
 <file path=ppt/slides/slide33.xml><?xml version="1.0" encoding="utf-8"?>
 <p:sld xmlns:a="http://schemas.openxmlformats.org/drawingml/2006/main" xmlns:r="http://schemas.openxmlformats.org/officeDocument/2006/relationships" xmlns:p="http://schemas.openxmlformats.org/presentationml/2006/main">
   <p:cSld>
@@ -5842,6 +5878,121 @@
           <a:p>
             <a:r>
               <a:rPr lang="en-US" dirty="0" smtClean="0"/>
+              <a:t>Step 11d: Try it out!</a:t>
+            </a:r>
+            <a:endParaRPr lang="en-US" dirty="0"/>
+          </a:p>
+        </p:txBody>
+      </p:sp>
+      <p:sp>
+        <p:nvSpPr>
+          <p:cNvPr id="3" name="Content Placeholder 2"/>
+          <p:cNvSpPr>
+            <a:spLocks noGrp="1"/>
+          </p:cNvSpPr>
+          <p:nvPr>
+            <p:ph idx="1"/>
+          </p:nvPr>
+        </p:nvSpPr>
+        <p:spPr/>
+        <p:txBody>
+          <a:bodyPr>
+            <a:normAutofit lnSpcReduction="10000"/>
+          </a:bodyPr>
+          <a:lstStyle/>
+          <a:p>
+            <a:r>
+              <a:rPr lang="en-US" dirty="0" smtClean="0"/>
+              <a:t>Make sure you hit “apply” for the prefab.</a:t>
+            </a:r>
+          </a:p>
+          <a:p>
+            <a:r>
+              <a:rPr lang="en-US" dirty="0"/>
+              <a:t>C</a:t>
+            </a:r>
+            <a:r>
+              <a:rPr lang="en-US" dirty="0" smtClean="0"/>
+              <a:t>lick the play button and try out the fighting. You can finally punch around and try to knock the other player off the edge!</a:t>
+            </a:r>
+          </a:p>
+          <a:p>
+            <a:r>
+              <a:rPr lang="en-US" dirty="0" smtClean="0"/>
+              <a:t>Troubleshooting:</a:t>
+            </a:r>
+          </a:p>
+          <a:p>
+            <a:pPr lvl="1"/>
+            <a:r>
+              <a:rPr lang="en-US" dirty="0" smtClean="0"/>
+              <a:t>If you are not getting any responses, make sure you have the Input axes configured to be correct. Remember, the string that you pass when getting an axis has to be correctly spelled and capitalized.</a:t>
+            </a:r>
+          </a:p>
+          <a:p>
+            <a:pPr lvl="1"/>
+            <a:r>
+              <a:rPr lang="en-US" dirty="0" smtClean="0"/>
+              <a:t>If you are still not getting punches, make sure your collision circles are big enough, and ensure “Is Trigger” is selected</a:t>
+            </a:r>
+          </a:p>
+          <a:p>
+            <a:pPr lvl="1"/>
+            <a:r>
+              <a:rPr lang="en-US" dirty="0" smtClean="0"/>
+              <a:t>If all else fails, try to add print() calls to figure out what functions are being called and what functions are not being called. They will be outputted on the console on the bottom tab.</a:t>
+            </a:r>
+            <a:endParaRPr lang="en-US" dirty="0"/>
+          </a:p>
+        </p:txBody>
+      </p:sp>
+    </p:spTree>
+    <p:extLst>
+      <p:ext uri="{BB962C8B-B14F-4D97-AF65-F5344CB8AC3E}">
+        <p14:creationId xmlns:p14="http://schemas.microsoft.com/office/powerpoint/2010/main" val="25168149"/>
+      </p:ext>
+    </p:extLst>
+  </p:cSld>
+  <p:clrMapOvr>
+    <a:masterClrMapping/>
+  </p:clrMapOvr>
+</p:sld>
+</file>
+
+<file path=ppt/slides/slide34.xml><?xml version="1.0" encoding="utf-8"?>
+<p:sld xmlns:a="http://schemas.openxmlformats.org/drawingml/2006/main" xmlns:r="http://schemas.openxmlformats.org/officeDocument/2006/relationships" xmlns:p="http://schemas.openxmlformats.org/presentationml/2006/main">
+  <p:cSld>
+    <p:spTree>
+      <p:nvGrpSpPr>
+        <p:cNvPr id="1" name=""/>
+        <p:cNvGrpSpPr/>
+        <p:nvPr/>
+      </p:nvGrpSpPr>
+      <p:grpSpPr>
+        <a:xfrm>
+          <a:off x="0" y="0"/>
+          <a:ext cx="0" cy="0"/>
+          <a:chOff x="0" y="0"/>
+          <a:chExt cx="0" cy="0"/>
+        </a:xfrm>
+      </p:grpSpPr>
+      <p:sp>
+        <p:nvSpPr>
+          <p:cNvPr id="2" name="Title 1"/>
+          <p:cNvSpPr>
+            <a:spLocks noGrp="1"/>
+          </p:cNvSpPr>
+          <p:nvPr>
+            <p:ph type="title"/>
+          </p:nvPr>
+        </p:nvSpPr>
+        <p:spPr/>
+        <p:txBody>
+          <a:bodyPr/>
+          <a:lstStyle/>
+          <a:p>
+            <a:r>
+              <a:rPr lang="en-US" dirty="0" smtClean="0"/>
               <a:t>Step 12a: Falling off and respawn</a:t>
             </a:r>
             <a:endParaRPr lang="en-US" dirty="0"/>
@@ -5908,7 +6059,7 @@
 </p:sld>
 </file>
 
-<file path=ppt/slides/slide34.xml><?xml version="1.0" encoding="utf-8"?>
+<file path=ppt/slides/slide35.xml><?xml version="1.0" encoding="utf-8"?>
 <p:sld xmlns:a="http://schemas.openxmlformats.org/drawingml/2006/main" xmlns:r="http://schemas.openxmlformats.org/officeDocument/2006/relationships" xmlns:p="http://schemas.openxmlformats.org/presentationml/2006/main">
   <p:cSld>
     <p:spTree>
@@ -6023,7 +6174,7 @@
 </p:sld>
 </file>
 
-<file path=ppt/slides/slide35.xml><?xml version="1.0" encoding="utf-8"?>
+<file path=ppt/slides/slide36.xml><?xml version="1.0" encoding="utf-8"?>
 <p:sld xmlns:a="http://schemas.openxmlformats.org/drawingml/2006/main" xmlns:r="http://schemas.openxmlformats.org/officeDocument/2006/relationships" xmlns:p="http://schemas.openxmlformats.org/presentationml/2006/main">
   <p:cSld>
     <p:spTree>
@@ -6165,7 +6316,7 @@
 </p:sld>
 </file>
 
-<file path=ppt/slides/slide36.xml><?xml version="1.0" encoding="utf-8"?>
+<file path=ppt/slides/slide37.xml><?xml version="1.0" encoding="utf-8"?>
 <p:sld xmlns:a="http://schemas.openxmlformats.org/drawingml/2006/main" xmlns:r="http://schemas.openxmlformats.org/officeDocument/2006/relationships" xmlns:p="http://schemas.openxmlformats.org/presentationml/2006/main">
   <p:cSld>
     <p:spTree>
@@ -6242,102 +6393,6 @@
 </p:sld>
 </file>
 
-<file path=ppt/slides/slide37.xml><?xml version="1.0" encoding="utf-8"?>
-<p:sld xmlns:a="http://schemas.openxmlformats.org/drawingml/2006/main" xmlns:r="http://schemas.openxmlformats.org/officeDocument/2006/relationships" xmlns:p="http://schemas.openxmlformats.org/presentationml/2006/main">
-  <p:cSld>
-    <p:spTree>
-      <p:nvGrpSpPr>
-        <p:cNvPr id="1" name=""/>
-        <p:cNvGrpSpPr/>
-        <p:nvPr/>
-      </p:nvGrpSpPr>
-      <p:grpSpPr>
-        <a:xfrm>
-          <a:off x="0" y="0"/>
-          <a:ext cx="0" cy="0"/>
-          <a:chOff x="0" y="0"/>
-          <a:chExt cx="0" cy="0"/>
-        </a:xfrm>
-      </p:grpSpPr>
-      <p:sp>
-        <p:nvSpPr>
-          <p:cNvPr id="2" name="Title 1"/>
-          <p:cNvSpPr>
-            <a:spLocks noGrp="1"/>
-          </p:cNvSpPr>
-          <p:nvPr>
-            <p:ph type="title"/>
-          </p:nvPr>
-        </p:nvSpPr>
-        <p:spPr/>
-        <p:txBody>
-          <a:bodyPr/>
-          <a:lstStyle/>
-          <a:p>
-            <a:r>
-              <a:rPr lang="en-US" dirty="0" smtClean="0"/>
-              <a:t>Section 12: Troubleshooting</a:t>
-            </a:r>
-            <a:endParaRPr lang="en-US" dirty="0"/>
-          </a:p>
-        </p:txBody>
-      </p:sp>
-      <p:sp>
-        <p:nvSpPr>
-          <p:cNvPr id="3" name="Content Placeholder 2"/>
-          <p:cNvSpPr>
-            <a:spLocks noGrp="1"/>
-          </p:cNvSpPr>
-          <p:nvPr>
-            <p:ph idx="1"/>
-          </p:nvPr>
-        </p:nvSpPr>
-        <p:spPr/>
-        <p:txBody>
-          <a:bodyPr/>
-          <a:lstStyle/>
-          <a:p>
-            <a:r>
-              <a:rPr lang="en-US" dirty="0" smtClean="0"/>
-              <a:t>Is your boundary a trigger?</a:t>
-            </a:r>
-          </a:p>
-          <a:p>
-            <a:r>
-              <a:rPr lang="en-US" dirty="0" smtClean="0"/>
-              <a:t>Is your boundary in the right place?</a:t>
-            </a:r>
-          </a:p>
-          <a:p>
-            <a:r>
-              <a:rPr lang="en-US" dirty="0" smtClean="0"/>
-              <a:t>Is the boundary’s </a:t>
-            </a:r>
-            <a:r>
-              <a:rPr lang="en-US" dirty="0" err="1" smtClean="0"/>
-              <a:t>respawnPoint</a:t>
-            </a:r>
-            <a:r>
-              <a:rPr lang="en-US" dirty="0" smtClean="0"/>
-              <a:t> set to a correct spot? (if not, you can edit it through the inspector as long as you set it to be ‘public’)</a:t>
-            </a:r>
-            <a:endParaRPr lang="en-US" dirty="0"/>
-          </a:p>
-        </p:txBody>
-      </p:sp>
-    </p:spTree>
-    <p:extLst>
-      <p:ext uri="{BB962C8B-B14F-4D97-AF65-F5344CB8AC3E}">
-        <p14:creationId xmlns:p14="http://schemas.microsoft.com/office/powerpoint/2010/main" val="2274661205"/>
-      </p:ext>
-    </p:extLst>
-  </p:cSld>
-  <p:clrMapOvr>
-    <a:masterClrMapping/>
-  </p:clrMapOvr>
-</p:sld>
-</file>
-
 <file path=ppt/slides/slide38.xml><?xml version="1.0" encoding="utf-8"?>
 <p:sld xmlns:a="http://schemas.openxmlformats.org/drawingml/2006/main" xmlns:r="http://schemas.openxmlformats.org/officeDocument/2006/relationships" xmlns:p="http://schemas.openxmlformats.org/presentationml/2006/main">
   <p:cSld>
@@ -6372,6 +6427,102 @@
           <a:p>
             <a:r>
               <a:rPr lang="en-US" dirty="0" smtClean="0"/>
+              <a:t>Section 12: Troubleshooting</a:t>
+            </a:r>
+            <a:endParaRPr lang="en-US" dirty="0"/>
+          </a:p>
+        </p:txBody>
+      </p:sp>
+      <p:sp>
+        <p:nvSpPr>
+          <p:cNvPr id="3" name="Content Placeholder 2"/>
+          <p:cNvSpPr>
+            <a:spLocks noGrp="1"/>
+          </p:cNvSpPr>
+          <p:nvPr>
+            <p:ph idx="1"/>
+          </p:nvPr>
+        </p:nvSpPr>
+        <p:spPr/>
+        <p:txBody>
+          <a:bodyPr/>
+          <a:lstStyle/>
+          <a:p>
+            <a:r>
+              <a:rPr lang="en-US" dirty="0" smtClean="0"/>
+              <a:t>Is your boundary a trigger?</a:t>
+            </a:r>
+          </a:p>
+          <a:p>
+            <a:r>
+              <a:rPr lang="en-US" dirty="0" smtClean="0"/>
+              <a:t>Is your boundary in the right place?</a:t>
+            </a:r>
+          </a:p>
+          <a:p>
+            <a:r>
+              <a:rPr lang="en-US" dirty="0" smtClean="0"/>
+              <a:t>Is the boundary’s </a:t>
+            </a:r>
+            <a:r>
+              <a:rPr lang="en-US" dirty="0" err="1" smtClean="0"/>
+              <a:t>respawnPoint</a:t>
+            </a:r>
+            <a:r>
+              <a:rPr lang="en-US" dirty="0" smtClean="0"/>
+              <a:t> set to a correct spot? (if not, you can edit it through the inspector as long as you set it to be ‘public’)</a:t>
+            </a:r>
+            <a:endParaRPr lang="en-US" dirty="0"/>
+          </a:p>
+        </p:txBody>
+      </p:sp>
+    </p:spTree>
+    <p:extLst>
+      <p:ext uri="{BB962C8B-B14F-4D97-AF65-F5344CB8AC3E}">
+        <p14:creationId xmlns:p14="http://schemas.microsoft.com/office/powerpoint/2010/main" val="2274661205"/>
+      </p:ext>
+    </p:extLst>
+  </p:cSld>
+  <p:clrMapOvr>
+    <a:masterClrMapping/>
+  </p:clrMapOvr>
+</p:sld>
+</file>
+
+<file path=ppt/slides/slide39.xml><?xml version="1.0" encoding="utf-8"?>
+<p:sld xmlns:a="http://schemas.openxmlformats.org/drawingml/2006/main" xmlns:r="http://schemas.openxmlformats.org/officeDocument/2006/relationships" xmlns:p="http://schemas.openxmlformats.org/presentationml/2006/main">
+  <p:cSld>
+    <p:spTree>
+      <p:nvGrpSpPr>
+        <p:cNvPr id="1" name=""/>
+        <p:cNvGrpSpPr/>
+        <p:nvPr/>
+      </p:nvGrpSpPr>
+      <p:grpSpPr>
+        <a:xfrm>
+          <a:off x="0" y="0"/>
+          <a:ext cx="0" cy="0"/>
+          <a:chOff x="0" y="0"/>
+          <a:chExt cx="0" cy="0"/>
+        </a:xfrm>
+      </p:grpSpPr>
+      <p:sp>
+        <p:nvSpPr>
+          <p:cNvPr id="2" name="Title 1"/>
+          <p:cNvSpPr>
+            <a:spLocks noGrp="1"/>
+          </p:cNvSpPr>
+          <p:nvPr>
+            <p:ph type="title"/>
+          </p:nvPr>
+        </p:nvSpPr>
+        <p:spPr/>
+        <p:txBody>
+          <a:bodyPr/>
+          <a:lstStyle/>
+          <a:p>
+            <a:r>
+              <a:rPr lang="en-US" dirty="0" smtClean="0"/>
               <a:t>Section 13a: Adding a GUI text</a:t>
             </a:r>
             <a:endParaRPr lang="en-US" dirty="0"/>
@@ -6462,7 +6613,150 @@
 </p:sld>
 </file>
 
-<file path=ppt/slides/slide39.xml><?xml version="1.0" encoding="utf-8"?>
+<file path=ppt/slides/slide4.xml><?xml version="1.0" encoding="utf-8"?>
+<p:sld xmlns:a="http://schemas.openxmlformats.org/drawingml/2006/main" xmlns:r="http://schemas.openxmlformats.org/officeDocument/2006/relationships" xmlns:p="http://schemas.openxmlformats.org/presentationml/2006/main">
+  <p:cSld>
+    <p:spTree>
+      <p:nvGrpSpPr>
+        <p:cNvPr id="1" name=""/>
+        <p:cNvGrpSpPr/>
+        <p:nvPr/>
+      </p:nvGrpSpPr>
+      <p:grpSpPr>
+        <a:xfrm>
+          <a:off x="0" y="0"/>
+          <a:ext cx="0" cy="0"/>
+          <a:chOff x="0" y="0"/>
+          <a:chExt cx="0" cy="0"/>
+        </a:xfrm>
+      </p:grpSpPr>
+      <p:sp>
+        <p:nvSpPr>
+          <p:cNvPr id="2" name="Title 1"/>
+          <p:cNvSpPr>
+            <a:spLocks noGrp="1"/>
+          </p:cNvSpPr>
+          <p:nvPr>
+            <p:ph type="title"/>
+          </p:nvPr>
+        </p:nvSpPr>
+        <p:spPr/>
+        <p:txBody>
+          <a:bodyPr/>
+          <a:lstStyle/>
+          <a:p>
+            <a:r>
+              <a:rPr lang="en-US" dirty="0" smtClean="0"/>
+              <a:t>Step 2: New Project</a:t>
+            </a:r>
+            <a:endParaRPr lang="en-US" dirty="0"/>
+          </a:p>
+        </p:txBody>
+      </p:sp>
+      <p:sp>
+        <p:nvSpPr>
+          <p:cNvPr id="3" name="Content Placeholder 2"/>
+          <p:cNvSpPr>
+            <a:spLocks noGrp="1"/>
+          </p:cNvSpPr>
+          <p:nvPr>
+            <p:ph idx="1"/>
+          </p:nvPr>
+        </p:nvSpPr>
+        <p:spPr/>
+        <p:txBody>
+          <a:bodyPr/>
+          <a:lstStyle/>
+          <a:p>
+            <a:r>
+              <a:rPr lang="en-US" dirty="0" smtClean="0"/>
+              <a:t>Click the                button</a:t>
+            </a:r>
+          </a:p>
+          <a:p>
+            <a:r>
+              <a:rPr lang="en-US" dirty="0" smtClean="0"/>
+              <a:t>Name the project whatever you want, select 2D, and confirm where you want to store it</a:t>
+            </a:r>
+          </a:p>
+          <a:p>
+            <a:r>
+              <a:rPr lang="en-US" dirty="0" smtClean="0"/>
+              <a:t>If you are on a lab computer, save it to your network drive. Saving it on a desktop computer will wipe it once you log out </a:t>
+            </a:r>
+            <a:endParaRPr lang="en-US" dirty="0"/>
+          </a:p>
+        </p:txBody>
+      </p:sp>
+      <p:pic>
+        <p:nvPicPr>
+          <p:cNvPr id="4" name="Picture 3"/>
+          <p:cNvPicPr>
+            <a:picLocks noChangeAspect="1"/>
+          </p:cNvPicPr>
+          <p:nvPr/>
+        </p:nvPicPr>
+        <p:blipFill>
+          <a:blip r:embed="rId2"/>
+          <a:stretch>
+            <a:fillRect/>
+          </a:stretch>
+        </p:blipFill>
+        <p:spPr>
+          <a:xfrm>
+            <a:off x="2492543" y="1690688"/>
+            <a:ext cx="1143000" cy="666750"/>
+          </a:xfrm>
+          <a:prstGeom prst="rect">
+            <a:avLst/>
+          </a:prstGeom>
+        </p:spPr>
+      </p:pic>
+      <p:pic>
+        <p:nvPicPr>
+          <p:cNvPr id="5" name="Picture 4"/>
+          <p:cNvPicPr>
+            <a:picLocks noChangeAspect="1"/>
+          </p:cNvPicPr>
+          <p:nvPr/>
+        </p:nvPicPr>
+        <p:blipFill>
+          <a:blip r:embed="rId3"/>
+          <a:stretch>
+            <a:fillRect/>
+          </a:stretch>
+        </p:blipFill>
+        <p:spPr>
+          <a:xfrm>
+            <a:off x="3790950" y="4181475"/>
+            <a:ext cx="4610100" cy="2676525"/>
+          </a:xfrm>
+          <a:prstGeom prst="rect">
+            <a:avLst/>
+          </a:prstGeom>
+        </p:spPr>
+      </p:pic>
+    </p:spTree>
+    <p:extLst>
+      <p:ext uri="{BB962C8B-B14F-4D97-AF65-F5344CB8AC3E}">
+        <p14:creationId xmlns:p14="http://schemas.microsoft.com/office/powerpoint/2010/main" val="3738006866"/>
+      </p:ext>
+    </p:extLst>
+  </p:cSld>
+  <p:clrMapOvr>
+    <a:masterClrMapping/>
+  </p:clrMapOvr>
+  <p:timing>
+    <p:tnLst>
+      <p:par>
+        <p:cTn id="1" dur="indefinite" restart="never" nodeType="tmRoot"/>
+      </p:par>
+    </p:tnLst>
+  </p:timing>
+</p:sld>
+</file>
+
+<file path=ppt/slides/slide40.xml><?xml version="1.0" encoding="utf-8"?>
 <p:sld xmlns:a="http://schemas.openxmlformats.org/drawingml/2006/main" xmlns:r="http://schemas.openxmlformats.org/officeDocument/2006/relationships" xmlns:p="http://schemas.openxmlformats.org/presentationml/2006/main">
   <p:cSld>
     <p:spTree>
@@ -6538,7 +6832,674 @@
 </p:sld>
 </file>
 
-<file path=ppt/slides/slide4.xml><?xml version="1.0" encoding="utf-8"?>
+<file path=ppt/slides/slide41.xml><?xml version="1.0" encoding="utf-8"?>
+<p:sld xmlns:a="http://schemas.openxmlformats.org/drawingml/2006/main" xmlns:r="http://schemas.openxmlformats.org/officeDocument/2006/relationships" xmlns:p="http://schemas.openxmlformats.org/presentationml/2006/main">
+  <p:cSld>
+    <p:spTree>
+      <p:nvGrpSpPr>
+        <p:cNvPr id="1" name=""/>
+        <p:cNvGrpSpPr/>
+        <p:nvPr/>
+      </p:nvGrpSpPr>
+      <p:grpSpPr>
+        <a:xfrm>
+          <a:off x="0" y="0"/>
+          <a:ext cx="0" cy="0"/>
+          <a:chOff x="0" y="0"/>
+          <a:chExt cx="0" cy="0"/>
+        </a:xfrm>
+      </p:grpSpPr>
+      <p:sp>
+        <p:nvSpPr>
+          <p:cNvPr id="2" name="Title 1"/>
+          <p:cNvSpPr>
+            <a:spLocks noGrp="1"/>
+          </p:cNvSpPr>
+          <p:nvPr>
+            <p:ph type="title"/>
+          </p:nvPr>
+        </p:nvSpPr>
+        <p:spPr/>
+        <p:txBody>
+          <a:bodyPr/>
+          <a:lstStyle/>
+          <a:p>
+            <a:r>
+              <a:rPr lang="en-US" dirty="0" smtClean="0"/>
+              <a:t>Section 13b: Updating the GUI text</a:t>
+            </a:r>
+            <a:endParaRPr lang="en-US" dirty="0"/>
+          </a:p>
+        </p:txBody>
+      </p:sp>
+      <p:sp>
+        <p:nvSpPr>
+          <p:cNvPr id="3" name="Content Placeholder 2"/>
+          <p:cNvSpPr>
+            <a:spLocks noGrp="1"/>
+          </p:cNvSpPr>
+          <p:nvPr>
+            <p:ph idx="1"/>
+          </p:nvPr>
+        </p:nvSpPr>
+        <p:spPr>
+          <a:xfrm>
+            <a:off x="838200" y="1825625"/>
+            <a:ext cx="10515600" cy="1081348"/>
+          </a:xfrm>
+        </p:spPr>
+        <p:txBody>
+          <a:bodyPr/>
+          <a:lstStyle/>
+          <a:p>
+            <a:r>
+              <a:rPr lang="en-US" dirty="0" smtClean="0"/>
+              <a:t>So add another script to that </a:t>
+            </a:r>
+            <a:r>
+              <a:rPr lang="en-US" dirty="0" err="1" smtClean="0"/>
+              <a:t>GUIText</a:t>
+            </a:r>
+            <a:r>
+              <a:rPr lang="en-US" dirty="0" smtClean="0"/>
+              <a:t> game object, so it can read what is going on in the scene. Add the following code:</a:t>
+            </a:r>
+          </a:p>
+          <a:p>
+            <a:pPr marL="0" indent="0">
+              <a:buNone/>
+            </a:pPr>
+            <a:endParaRPr lang="en-US" dirty="0"/>
+          </a:p>
+        </p:txBody>
+      </p:sp>
+      <p:pic>
+        <p:nvPicPr>
+          <p:cNvPr id="4" name="Picture 3"/>
+          <p:cNvPicPr>
+            <a:picLocks noChangeAspect="1"/>
+          </p:cNvPicPr>
+          <p:nvPr/>
+        </p:nvPicPr>
+        <p:blipFill rotWithShape="1">
+          <a:blip r:embed="rId2"/>
+          <a:srcRect t="15252"/>
+          <a:stretch/>
+        </p:blipFill>
+        <p:spPr>
+          <a:xfrm>
+            <a:off x="3164717" y="2906973"/>
+            <a:ext cx="5652922" cy="3871841"/>
+          </a:xfrm>
+          <a:prstGeom prst="rect">
+            <a:avLst/>
+          </a:prstGeom>
+        </p:spPr>
+      </p:pic>
+    </p:spTree>
+    <p:extLst>
+      <p:ext uri="{BB962C8B-B14F-4D97-AF65-F5344CB8AC3E}">
+        <p14:creationId xmlns:p14="http://schemas.microsoft.com/office/powerpoint/2010/main" val="363161632"/>
+      </p:ext>
+    </p:extLst>
+  </p:cSld>
+  <p:clrMapOvr>
+    <a:masterClrMapping/>
+  </p:clrMapOvr>
+</p:sld>
+</file>
+
+<file path=ppt/slides/slide42.xml><?xml version="1.0" encoding="utf-8"?>
+<p:sld xmlns:a="http://schemas.openxmlformats.org/drawingml/2006/main" xmlns:r="http://schemas.openxmlformats.org/officeDocument/2006/relationships" xmlns:p="http://schemas.openxmlformats.org/presentationml/2006/main">
+  <p:cSld>
+    <p:spTree>
+      <p:nvGrpSpPr>
+        <p:cNvPr id="1" name=""/>
+        <p:cNvGrpSpPr/>
+        <p:nvPr/>
+      </p:nvGrpSpPr>
+      <p:grpSpPr>
+        <a:xfrm>
+          <a:off x="0" y="0"/>
+          <a:ext cx="0" cy="0"/>
+          <a:chOff x="0" y="0"/>
+          <a:chExt cx="0" cy="0"/>
+        </a:xfrm>
+      </p:grpSpPr>
+      <p:sp>
+        <p:nvSpPr>
+          <p:cNvPr id="2" name="Title 1"/>
+          <p:cNvSpPr>
+            <a:spLocks noGrp="1"/>
+          </p:cNvSpPr>
+          <p:nvPr>
+            <p:ph type="title"/>
+          </p:nvPr>
+        </p:nvSpPr>
+        <p:spPr/>
+        <p:txBody>
+          <a:bodyPr/>
+          <a:lstStyle/>
+          <a:p>
+            <a:r>
+              <a:rPr lang="en-US" dirty="0" smtClean="0"/>
+              <a:t>Section 13: Result</a:t>
+            </a:r>
+            <a:endParaRPr lang="en-US" dirty="0"/>
+          </a:p>
+        </p:txBody>
+      </p:sp>
+      <p:pic>
+        <p:nvPicPr>
+          <p:cNvPr id="4" name="Picture 3"/>
+          <p:cNvPicPr>
+            <a:picLocks noChangeAspect="1"/>
+          </p:cNvPicPr>
+          <p:nvPr/>
+        </p:nvPicPr>
+        <p:blipFill rotWithShape="1">
+          <a:blip r:embed="rId2"/>
+          <a:srcRect l="4302"/>
+          <a:stretch/>
+        </p:blipFill>
+        <p:spPr>
+          <a:xfrm>
+            <a:off x="1597838" y="1449612"/>
+            <a:ext cx="8971271" cy="5270602"/>
+          </a:xfrm>
+          <a:prstGeom prst="rect">
+            <a:avLst/>
+          </a:prstGeom>
+        </p:spPr>
+      </p:pic>
+    </p:spTree>
+    <p:extLst>
+      <p:ext uri="{BB962C8B-B14F-4D97-AF65-F5344CB8AC3E}">
+        <p14:creationId xmlns:p14="http://schemas.microsoft.com/office/powerpoint/2010/main" val="1538647526"/>
+      </p:ext>
+    </p:extLst>
+  </p:cSld>
+  <p:clrMapOvr>
+    <a:masterClrMapping/>
+  </p:clrMapOvr>
+</p:sld>
+</file>
+
+<file path=ppt/slides/slide43.xml><?xml version="1.0" encoding="utf-8"?>
+<p:sld xmlns:a="http://schemas.openxmlformats.org/drawingml/2006/main" xmlns:r="http://schemas.openxmlformats.org/officeDocument/2006/relationships" xmlns:p="http://schemas.openxmlformats.org/presentationml/2006/main">
+  <p:cSld>
+    <p:spTree>
+      <p:nvGrpSpPr>
+        <p:cNvPr id="1" name=""/>
+        <p:cNvGrpSpPr/>
+        <p:nvPr/>
+      </p:nvGrpSpPr>
+      <p:grpSpPr>
+        <a:xfrm>
+          <a:off x="0" y="0"/>
+          <a:ext cx="0" cy="0"/>
+          <a:chOff x="0" y="0"/>
+          <a:chExt cx="0" cy="0"/>
+        </a:xfrm>
+      </p:grpSpPr>
+      <p:sp>
+        <p:nvSpPr>
+          <p:cNvPr id="2" name="Title 1"/>
+          <p:cNvSpPr>
+            <a:spLocks noGrp="1"/>
+          </p:cNvSpPr>
+          <p:nvPr>
+            <p:ph type="title"/>
+          </p:nvPr>
+        </p:nvSpPr>
+        <p:spPr/>
+        <p:txBody>
+          <a:bodyPr/>
+          <a:lstStyle/>
+          <a:p>
+            <a:r>
+              <a:rPr lang="en-US" dirty="0" smtClean="0"/>
+              <a:t>Section 14: Making a moving camera</a:t>
+            </a:r>
+            <a:endParaRPr lang="en-US" dirty="0"/>
+          </a:p>
+        </p:txBody>
+      </p:sp>
+      <p:sp>
+        <p:nvSpPr>
+          <p:cNvPr id="3" name="Content Placeholder 2"/>
+          <p:cNvSpPr>
+            <a:spLocks noGrp="1"/>
+          </p:cNvSpPr>
+          <p:nvPr>
+            <p:ph idx="1"/>
+          </p:nvPr>
+        </p:nvSpPr>
+        <p:spPr/>
+        <p:txBody>
+          <a:bodyPr/>
+          <a:lstStyle/>
+          <a:p>
+            <a:r>
+              <a:rPr lang="en-US" dirty="0" smtClean="0"/>
+              <a:t>Since we want all players to be visible, we should consider having a camera that tracks all players.</a:t>
+            </a:r>
+          </a:p>
+          <a:p>
+            <a:r>
+              <a:rPr lang="en-US" dirty="0" smtClean="0"/>
+              <a:t>Select the “Main Camera” game object in the Hierarchy, and add a new component to it, this being a new script.</a:t>
+            </a:r>
+          </a:p>
+          <a:p>
+            <a:r>
+              <a:rPr lang="en-US" dirty="0" smtClean="0"/>
+              <a:t>Name the script “Smooth Camera 2D” </a:t>
+            </a:r>
+          </a:p>
+          <a:p>
+            <a:r>
+              <a:rPr lang="en-US" dirty="0" smtClean="0"/>
+              <a:t>Add the following code:</a:t>
+            </a:r>
+            <a:endParaRPr lang="en-US" dirty="0"/>
+          </a:p>
+        </p:txBody>
+      </p:sp>
+    </p:spTree>
+    <p:extLst>
+      <p:ext uri="{BB962C8B-B14F-4D97-AF65-F5344CB8AC3E}">
+        <p14:creationId xmlns:p14="http://schemas.microsoft.com/office/powerpoint/2010/main" val="3183803991"/>
+      </p:ext>
+    </p:extLst>
+  </p:cSld>
+  <p:clrMapOvr>
+    <a:masterClrMapping/>
+  </p:clrMapOvr>
+</p:sld>
+</file>
+
+<file path=ppt/slides/slide44.xml><?xml version="1.0" encoding="utf-8"?>
+<p:sld xmlns:a="http://schemas.openxmlformats.org/drawingml/2006/main" xmlns:r="http://schemas.openxmlformats.org/officeDocument/2006/relationships" xmlns:p="http://schemas.openxmlformats.org/presentationml/2006/main">
+  <p:cSld>
+    <p:spTree>
+      <p:nvGrpSpPr>
+        <p:cNvPr id="1" name=""/>
+        <p:cNvGrpSpPr/>
+        <p:nvPr/>
+      </p:nvGrpSpPr>
+      <p:grpSpPr>
+        <a:xfrm>
+          <a:off x="0" y="0"/>
+          <a:ext cx="0" cy="0"/>
+          <a:chOff x="0" y="0"/>
+          <a:chExt cx="0" cy="0"/>
+        </a:xfrm>
+      </p:grpSpPr>
+      <p:sp>
+        <p:nvSpPr>
+          <p:cNvPr id="2" name="Title 1"/>
+          <p:cNvSpPr>
+            <a:spLocks noGrp="1"/>
+          </p:cNvSpPr>
+          <p:nvPr>
+            <p:ph type="title"/>
+          </p:nvPr>
+        </p:nvSpPr>
+        <p:spPr/>
+        <p:txBody>
+          <a:bodyPr/>
+          <a:lstStyle/>
+          <a:p>
+            <a:r>
+              <a:rPr lang="en-US" dirty="0" smtClean="0"/>
+              <a:t>Section 14: Continued</a:t>
+            </a:r>
+            <a:endParaRPr lang="en-US" dirty="0"/>
+          </a:p>
+        </p:txBody>
+      </p:sp>
+      <p:pic>
+        <p:nvPicPr>
+          <p:cNvPr id="4" name="Picture 3"/>
+          <p:cNvPicPr>
+            <a:picLocks noChangeAspect="1"/>
+          </p:cNvPicPr>
+          <p:nvPr/>
+        </p:nvPicPr>
+        <p:blipFill rotWithShape="1">
+          <a:blip r:embed="rId2"/>
+          <a:srcRect l="8287" t="21408" r="32868" b="5644"/>
+          <a:stretch/>
+        </p:blipFill>
+        <p:spPr>
+          <a:xfrm>
+            <a:off x="1801504" y="1351128"/>
+            <a:ext cx="7656395" cy="5336275"/>
+          </a:xfrm>
+          <a:prstGeom prst="rect">
+            <a:avLst/>
+          </a:prstGeom>
+        </p:spPr>
+      </p:pic>
+    </p:spTree>
+    <p:extLst>
+      <p:ext uri="{BB962C8B-B14F-4D97-AF65-F5344CB8AC3E}">
+        <p14:creationId xmlns:p14="http://schemas.microsoft.com/office/powerpoint/2010/main" val="846640695"/>
+      </p:ext>
+    </p:extLst>
+  </p:cSld>
+  <p:clrMapOvr>
+    <a:masterClrMapping/>
+  </p:clrMapOvr>
+</p:sld>
+</file>
+
+<file path=ppt/slides/slide45.xml><?xml version="1.0" encoding="utf-8"?>
+<p:sld xmlns:a="http://schemas.openxmlformats.org/drawingml/2006/main" xmlns:r="http://schemas.openxmlformats.org/officeDocument/2006/relationships" xmlns:p="http://schemas.openxmlformats.org/presentationml/2006/main">
+  <p:cSld>
+    <p:spTree>
+      <p:nvGrpSpPr>
+        <p:cNvPr id="1" name=""/>
+        <p:cNvGrpSpPr/>
+        <p:nvPr/>
+      </p:nvGrpSpPr>
+      <p:grpSpPr>
+        <a:xfrm>
+          <a:off x="0" y="0"/>
+          <a:ext cx="0" cy="0"/>
+          <a:chOff x="0" y="0"/>
+          <a:chExt cx="0" cy="0"/>
+        </a:xfrm>
+      </p:grpSpPr>
+      <p:sp>
+        <p:nvSpPr>
+          <p:cNvPr id="2" name="Title 1"/>
+          <p:cNvSpPr>
+            <a:spLocks noGrp="1"/>
+          </p:cNvSpPr>
+          <p:nvPr>
+            <p:ph type="title"/>
+          </p:nvPr>
+        </p:nvSpPr>
+        <p:spPr/>
+        <p:txBody>
+          <a:bodyPr/>
+          <a:lstStyle/>
+          <a:p>
+            <a:r>
+              <a:rPr lang="en-US" dirty="0" smtClean="0"/>
+              <a:t>Section 15: Your own personal tweaks</a:t>
+            </a:r>
+            <a:endParaRPr lang="en-US" dirty="0"/>
+          </a:p>
+        </p:txBody>
+      </p:sp>
+      <p:sp>
+        <p:nvSpPr>
+          <p:cNvPr id="3" name="Content Placeholder 2"/>
+          <p:cNvSpPr>
+            <a:spLocks noGrp="1"/>
+          </p:cNvSpPr>
+          <p:nvPr>
+            <p:ph idx="1"/>
+          </p:nvPr>
+        </p:nvSpPr>
+        <p:spPr/>
+        <p:txBody>
+          <a:bodyPr/>
+          <a:lstStyle/>
+          <a:p>
+            <a:r>
+              <a:rPr lang="en-US" dirty="0" smtClean="0"/>
+              <a:t>Consider changing different values to fit the needs and desires that you want for your game.</a:t>
+            </a:r>
+          </a:p>
+          <a:p>
+            <a:r>
+              <a:rPr lang="en-US" dirty="0" smtClean="0"/>
+              <a:t>Options for simple tweaks are</a:t>
+            </a:r>
+          </a:p>
+          <a:p>
+            <a:pPr lvl="1"/>
+            <a:r>
+              <a:rPr lang="en-US" dirty="0" smtClean="0"/>
+              <a:t>Movement (vertical and horizontal)</a:t>
+            </a:r>
+          </a:p>
+          <a:p>
+            <a:pPr lvl="1"/>
+            <a:r>
+              <a:rPr lang="en-US" dirty="0" smtClean="0"/>
+              <a:t>Friction and drag for players and platforms</a:t>
+            </a:r>
+          </a:p>
+          <a:p>
+            <a:pPr lvl="1"/>
+            <a:r>
+              <a:rPr lang="en-US" dirty="0" smtClean="0"/>
+              <a:t>Punching power and speed</a:t>
+            </a:r>
+          </a:p>
+          <a:p>
+            <a:pPr lvl="1"/>
+            <a:r>
+              <a:rPr lang="en-US" dirty="0" smtClean="0"/>
+              <a:t>Respawn times</a:t>
+            </a:r>
+          </a:p>
+          <a:p>
+            <a:pPr lvl="1"/>
+            <a:r>
+              <a:rPr lang="en-US" dirty="0" smtClean="0"/>
+              <a:t>Camera speed</a:t>
+            </a:r>
+            <a:endParaRPr lang="en-US" dirty="0"/>
+          </a:p>
+        </p:txBody>
+      </p:sp>
+    </p:spTree>
+    <p:extLst>
+      <p:ext uri="{BB962C8B-B14F-4D97-AF65-F5344CB8AC3E}">
+        <p14:creationId xmlns:p14="http://schemas.microsoft.com/office/powerpoint/2010/main" val="3978327007"/>
+      </p:ext>
+    </p:extLst>
+  </p:cSld>
+  <p:clrMapOvr>
+    <a:masterClrMapping/>
+  </p:clrMapOvr>
+</p:sld>
+</file>
+
+<file path=ppt/slides/slide46.xml><?xml version="1.0" encoding="utf-8"?>
+<p:sld xmlns:a="http://schemas.openxmlformats.org/drawingml/2006/main" xmlns:r="http://schemas.openxmlformats.org/officeDocument/2006/relationships" xmlns:p="http://schemas.openxmlformats.org/presentationml/2006/main">
+  <p:cSld>
+    <p:spTree>
+      <p:nvGrpSpPr>
+        <p:cNvPr id="1" name=""/>
+        <p:cNvGrpSpPr/>
+        <p:nvPr/>
+      </p:nvGrpSpPr>
+      <p:grpSpPr>
+        <a:xfrm>
+          <a:off x="0" y="0"/>
+          <a:ext cx="0" cy="0"/>
+          <a:chOff x="0" y="0"/>
+          <a:chExt cx="0" cy="0"/>
+        </a:xfrm>
+      </p:grpSpPr>
+      <p:sp>
+        <p:nvSpPr>
+          <p:cNvPr id="2" name="Title 1"/>
+          <p:cNvSpPr>
+            <a:spLocks noGrp="1"/>
+          </p:cNvSpPr>
+          <p:nvPr>
+            <p:ph type="title"/>
+          </p:nvPr>
+        </p:nvSpPr>
+        <p:spPr/>
+        <p:txBody>
+          <a:bodyPr/>
+          <a:lstStyle/>
+          <a:p>
+            <a:r>
+              <a:rPr lang="en-US" dirty="0" smtClean="0"/>
+              <a:t>Section 15: Continued</a:t>
+            </a:r>
+            <a:endParaRPr lang="en-US" dirty="0"/>
+          </a:p>
+        </p:txBody>
+      </p:sp>
+      <p:sp>
+        <p:nvSpPr>
+          <p:cNvPr id="3" name="Content Placeholder 2"/>
+          <p:cNvSpPr>
+            <a:spLocks noGrp="1"/>
+          </p:cNvSpPr>
+          <p:nvPr>
+            <p:ph idx="1"/>
+          </p:nvPr>
+        </p:nvSpPr>
+        <p:spPr/>
+        <p:txBody>
+          <a:bodyPr>
+            <a:normAutofit lnSpcReduction="10000"/>
+          </a:bodyPr>
+          <a:lstStyle/>
+          <a:p>
+            <a:r>
+              <a:rPr lang="en-US" dirty="0" smtClean="0"/>
+              <a:t>There are some more advanced possibilities for your game, such as</a:t>
+            </a:r>
+          </a:p>
+          <a:p>
+            <a:pPr lvl="1"/>
+            <a:r>
+              <a:rPr lang="en-US" dirty="0" smtClean="0"/>
+              <a:t>Right now your jumps are reset after touching a wall, not just landing vertically. How can you change that?</a:t>
+            </a:r>
+          </a:p>
+          <a:p>
+            <a:pPr lvl="1"/>
+            <a:r>
+              <a:rPr lang="en-US" dirty="0" smtClean="0"/>
+              <a:t>Jumping is only reset when the input axis goes back to 0. How can you change the values in the input manager to make it as soon as you want?</a:t>
+            </a:r>
+          </a:p>
+          <a:p>
+            <a:pPr lvl="1"/>
+            <a:r>
+              <a:rPr lang="en-US" dirty="0" smtClean="0"/>
+              <a:t>Punching is fast as you can mash the buttons. Can you find a way to make a cooldown?</a:t>
+            </a:r>
+          </a:p>
+          <a:p>
+            <a:pPr lvl="1"/>
+            <a:r>
+              <a:rPr lang="en-US" dirty="0" smtClean="0"/>
+              <a:t>Consider other alternate fire options, </a:t>
+            </a:r>
+            <a:r>
+              <a:rPr lang="en-US" dirty="0" err="1" smtClean="0"/>
+              <a:t>powerups</a:t>
+            </a:r>
+            <a:r>
+              <a:rPr lang="en-US" dirty="0" smtClean="0"/>
+              <a:t>, or special items. How can you make different game objects spawn and affect the player?</a:t>
+            </a:r>
+          </a:p>
+          <a:p>
+            <a:pPr lvl="1"/>
+            <a:r>
+              <a:rPr lang="en-US" dirty="0" smtClean="0"/>
+              <a:t>Special map elements such as trampolines, death pits, or physics items. Unity is a powerful tool for physics items, how can you use this for your advantage?</a:t>
+            </a:r>
+          </a:p>
+        </p:txBody>
+      </p:sp>
+    </p:spTree>
+    <p:extLst>
+      <p:ext uri="{BB962C8B-B14F-4D97-AF65-F5344CB8AC3E}">
+        <p14:creationId xmlns:p14="http://schemas.microsoft.com/office/powerpoint/2010/main" val="1655004470"/>
+      </p:ext>
+    </p:extLst>
+  </p:cSld>
+  <p:clrMapOvr>
+    <a:masterClrMapping/>
+  </p:clrMapOvr>
+</p:sld>
+</file>
+
+<file path=ppt/slides/slide47.xml><?xml version="1.0" encoding="utf-8"?>
+<p:sld xmlns:a="http://schemas.openxmlformats.org/drawingml/2006/main" xmlns:r="http://schemas.openxmlformats.org/officeDocument/2006/relationships" xmlns:p="http://schemas.openxmlformats.org/presentationml/2006/main">
+  <p:cSld>
+    <p:spTree>
+      <p:nvGrpSpPr>
+        <p:cNvPr id="1" name=""/>
+        <p:cNvGrpSpPr/>
+        <p:nvPr/>
+      </p:nvGrpSpPr>
+      <p:grpSpPr>
+        <a:xfrm>
+          <a:off x="0" y="0"/>
+          <a:ext cx="0" cy="0"/>
+          <a:chOff x="0" y="0"/>
+          <a:chExt cx="0" cy="0"/>
+        </a:xfrm>
+      </p:grpSpPr>
+      <p:sp>
+        <p:nvSpPr>
+          <p:cNvPr id="2" name="Title 1"/>
+          <p:cNvSpPr>
+            <a:spLocks noGrp="1"/>
+          </p:cNvSpPr>
+          <p:nvPr>
+            <p:ph type="title"/>
+          </p:nvPr>
+        </p:nvSpPr>
+        <p:spPr>
+          <a:xfrm>
+            <a:off x="831850" y="3634067"/>
+            <a:ext cx="10515600" cy="2852737"/>
+          </a:xfrm>
+        </p:spPr>
+        <p:txBody>
+          <a:bodyPr>
+            <a:normAutofit fontScale="90000"/>
+          </a:bodyPr>
+          <a:lstStyle/>
+          <a:p>
+            <a:r>
+              <a:rPr lang="en-US" dirty="0" smtClean="0"/>
+              <a:t>This is your first (or one of your first) games. Do what you want and make your own game, as our next project will be doing that, but starting from scratch. </a:t>
+            </a:r>
+            <a:br>
+              <a:rPr lang="en-US" dirty="0" smtClean="0"/>
+            </a:br>
+            <a:r>
+              <a:rPr lang="en-US" dirty="0" smtClean="0"/>
+              <a:t>You will be assigned teams to create your own new game. Brainstorm some ideas!</a:t>
+            </a:r>
+            <a:endParaRPr lang="en-US" dirty="0"/>
+          </a:p>
+        </p:txBody>
+      </p:sp>
+    </p:spTree>
+    <p:extLst>
+      <p:ext uri="{BB962C8B-B14F-4D97-AF65-F5344CB8AC3E}">
+        <p14:creationId xmlns:p14="http://schemas.microsoft.com/office/powerpoint/2010/main" val="3738019306"/>
+      </p:ext>
+    </p:extLst>
+  </p:cSld>
+  <p:clrMapOvr>
+    <a:masterClrMapping/>
+  </p:clrMapOvr>
+</p:sld>
+</file>
+
+<file path=ppt/slides/slide5.xml><?xml version="1.0" encoding="utf-8"?>
 <p:sld xmlns:a="http://schemas.openxmlformats.org/drawingml/2006/main" xmlns:r="http://schemas.openxmlformats.org/officeDocument/2006/relationships" xmlns:p="http://schemas.openxmlformats.org/presentationml/2006/main">
   <p:cSld>
     <p:spTree>
@@ -6694,674 +7655,7 @@
 </p:sld>
 </file>
 
-<file path=ppt/slides/slide40.xml><?xml version="1.0" encoding="utf-8"?>
-<p:sld xmlns:a="http://schemas.openxmlformats.org/drawingml/2006/main" xmlns:r="http://schemas.openxmlformats.org/officeDocument/2006/relationships" xmlns:p="http://schemas.openxmlformats.org/presentationml/2006/main">
-  <p:cSld>
-    <p:spTree>
-      <p:nvGrpSpPr>
-        <p:cNvPr id="1" name=""/>
-        <p:cNvGrpSpPr/>
-        <p:nvPr/>
-      </p:nvGrpSpPr>
-      <p:grpSpPr>
-        <a:xfrm>
-          <a:off x="0" y="0"/>
-          <a:ext cx="0" cy="0"/>
-          <a:chOff x="0" y="0"/>
-          <a:chExt cx="0" cy="0"/>
-        </a:xfrm>
-      </p:grpSpPr>
-      <p:sp>
-        <p:nvSpPr>
-          <p:cNvPr id="2" name="Title 1"/>
-          <p:cNvSpPr>
-            <a:spLocks noGrp="1"/>
-          </p:cNvSpPr>
-          <p:nvPr>
-            <p:ph type="title"/>
-          </p:nvPr>
-        </p:nvSpPr>
-        <p:spPr/>
-        <p:txBody>
-          <a:bodyPr/>
-          <a:lstStyle/>
-          <a:p>
-            <a:r>
-              <a:rPr lang="en-US" dirty="0" smtClean="0"/>
-              <a:t>Section 13b: Updating the GUI text</a:t>
-            </a:r>
-            <a:endParaRPr lang="en-US" dirty="0"/>
-          </a:p>
-        </p:txBody>
-      </p:sp>
-      <p:sp>
-        <p:nvSpPr>
-          <p:cNvPr id="3" name="Content Placeholder 2"/>
-          <p:cNvSpPr>
-            <a:spLocks noGrp="1"/>
-          </p:cNvSpPr>
-          <p:nvPr>
-            <p:ph idx="1"/>
-          </p:nvPr>
-        </p:nvSpPr>
-        <p:spPr>
-          <a:xfrm>
-            <a:off x="838200" y="1825625"/>
-            <a:ext cx="10515600" cy="1081348"/>
-          </a:xfrm>
-        </p:spPr>
-        <p:txBody>
-          <a:bodyPr/>
-          <a:lstStyle/>
-          <a:p>
-            <a:r>
-              <a:rPr lang="en-US" dirty="0" smtClean="0"/>
-              <a:t>So add another script to that </a:t>
-            </a:r>
-            <a:r>
-              <a:rPr lang="en-US" dirty="0" err="1" smtClean="0"/>
-              <a:t>GUIText</a:t>
-            </a:r>
-            <a:r>
-              <a:rPr lang="en-US" dirty="0" smtClean="0"/>
-              <a:t> game object, so it can read what is going on in the scene. Add the following code:</a:t>
-            </a:r>
-          </a:p>
-          <a:p>
-            <a:pPr marL="0" indent="0">
-              <a:buNone/>
-            </a:pPr>
-            <a:endParaRPr lang="en-US" dirty="0"/>
-          </a:p>
-        </p:txBody>
-      </p:sp>
-      <p:pic>
-        <p:nvPicPr>
-          <p:cNvPr id="4" name="Picture 3"/>
-          <p:cNvPicPr>
-            <a:picLocks noChangeAspect="1"/>
-          </p:cNvPicPr>
-          <p:nvPr/>
-        </p:nvPicPr>
-        <p:blipFill rotWithShape="1">
-          <a:blip r:embed="rId2"/>
-          <a:srcRect t="15252"/>
-          <a:stretch/>
-        </p:blipFill>
-        <p:spPr>
-          <a:xfrm>
-            <a:off x="3164717" y="2906973"/>
-            <a:ext cx="5652922" cy="3871841"/>
-          </a:xfrm>
-          <a:prstGeom prst="rect">
-            <a:avLst/>
-          </a:prstGeom>
-        </p:spPr>
-      </p:pic>
-    </p:spTree>
-    <p:extLst>
-      <p:ext uri="{BB962C8B-B14F-4D97-AF65-F5344CB8AC3E}">
-        <p14:creationId xmlns:p14="http://schemas.microsoft.com/office/powerpoint/2010/main" val="363161632"/>
-      </p:ext>
-    </p:extLst>
-  </p:cSld>
-  <p:clrMapOvr>
-    <a:masterClrMapping/>
-  </p:clrMapOvr>
-</p:sld>
-</file>
-
-<file path=ppt/slides/slide41.xml><?xml version="1.0" encoding="utf-8"?>
-<p:sld xmlns:a="http://schemas.openxmlformats.org/drawingml/2006/main" xmlns:r="http://schemas.openxmlformats.org/officeDocument/2006/relationships" xmlns:p="http://schemas.openxmlformats.org/presentationml/2006/main">
-  <p:cSld>
-    <p:spTree>
-      <p:nvGrpSpPr>
-        <p:cNvPr id="1" name=""/>
-        <p:cNvGrpSpPr/>
-        <p:nvPr/>
-      </p:nvGrpSpPr>
-      <p:grpSpPr>
-        <a:xfrm>
-          <a:off x="0" y="0"/>
-          <a:ext cx="0" cy="0"/>
-          <a:chOff x="0" y="0"/>
-          <a:chExt cx="0" cy="0"/>
-        </a:xfrm>
-      </p:grpSpPr>
-      <p:sp>
-        <p:nvSpPr>
-          <p:cNvPr id="2" name="Title 1"/>
-          <p:cNvSpPr>
-            <a:spLocks noGrp="1"/>
-          </p:cNvSpPr>
-          <p:nvPr>
-            <p:ph type="title"/>
-          </p:nvPr>
-        </p:nvSpPr>
-        <p:spPr/>
-        <p:txBody>
-          <a:bodyPr/>
-          <a:lstStyle/>
-          <a:p>
-            <a:r>
-              <a:rPr lang="en-US" dirty="0" smtClean="0"/>
-              <a:t>Section 13: Result</a:t>
-            </a:r>
-            <a:endParaRPr lang="en-US" dirty="0"/>
-          </a:p>
-        </p:txBody>
-      </p:sp>
-      <p:pic>
-        <p:nvPicPr>
-          <p:cNvPr id="4" name="Picture 3"/>
-          <p:cNvPicPr>
-            <a:picLocks noChangeAspect="1"/>
-          </p:cNvPicPr>
-          <p:nvPr/>
-        </p:nvPicPr>
-        <p:blipFill rotWithShape="1">
-          <a:blip r:embed="rId2"/>
-          <a:srcRect l="4302"/>
-          <a:stretch/>
-        </p:blipFill>
-        <p:spPr>
-          <a:xfrm>
-            <a:off x="1610364" y="1587398"/>
-            <a:ext cx="8971271" cy="5270602"/>
-          </a:xfrm>
-          <a:prstGeom prst="rect">
-            <a:avLst/>
-          </a:prstGeom>
-        </p:spPr>
-      </p:pic>
-    </p:spTree>
-    <p:extLst>
-      <p:ext uri="{BB962C8B-B14F-4D97-AF65-F5344CB8AC3E}">
-        <p14:creationId xmlns:p14="http://schemas.microsoft.com/office/powerpoint/2010/main" val="1538647526"/>
-      </p:ext>
-    </p:extLst>
-  </p:cSld>
-  <p:clrMapOvr>
-    <a:masterClrMapping/>
-  </p:clrMapOvr>
-</p:sld>
-</file>
-
-<file path=ppt/slides/slide42.xml><?xml version="1.0" encoding="utf-8"?>
-<p:sld xmlns:a="http://schemas.openxmlformats.org/drawingml/2006/main" xmlns:r="http://schemas.openxmlformats.org/officeDocument/2006/relationships" xmlns:p="http://schemas.openxmlformats.org/presentationml/2006/main">
-  <p:cSld>
-    <p:spTree>
-      <p:nvGrpSpPr>
-        <p:cNvPr id="1" name=""/>
-        <p:cNvGrpSpPr/>
-        <p:nvPr/>
-      </p:nvGrpSpPr>
-      <p:grpSpPr>
-        <a:xfrm>
-          <a:off x="0" y="0"/>
-          <a:ext cx="0" cy="0"/>
-          <a:chOff x="0" y="0"/>
-          <a:chExt cx="0" cy="0"/>
-        </a:xfrm>
-      </p:grpSpPr>
-      <p:sp>
-        <p:nvSpPr>
-          <p:cNvPr id="2" name="Title 1"/>
-          <p:cNvSpPr>
-            <a:spLocks noGrp="1"/>
-          </p:cNvSpPr>
-          <p:nvPr>
-            <p:ph type="title"/>
-          </p:nvPr>
-        </p:nvSpPr>
-        <p:spPr/>
-        <p:txBody>
-          <a:bodyPr/>
-          <a:lstStyle/>
-          <a:p>
-            <a:r>
-              <a:rPr lang="en-US" dirty="0" smtClean="0"/>
-              <a:t>Section 14: Making a moving camera</a:t>
-            </a:r>
-            <a:endParaRPr lang="en-US" dirty="0"/>
-          </a:p>
-        </p:txBody>
-      </p:sp>
-      <p:sp>
-        <p:nvSpPr>
-          <p:cNvPr id="3" name="Content Placeholder 2"/>
-          <p:cNvSpPr>
-            <a:spLocks noGrp="1"/>
-          </p:cNvSpPr>
-          <p:nvPr>
-            <p:ph idx="1"/>
-          </p:nvPr>
-        </p:nvSpPr>
-        <p:spPr/>
-        <p:txBody>
-          <a:bodyPr/>
-          <a:lstStyle/>
-          <a:p>
-            <a:r>
-              <a:rPr lang="en-US" dirty="0" smtClean="0"/>
-              <a:t>Since we want all players to be visible, we should consider having a camera that tracks all players.</a:t>
-            </a:r>
-          </a:p>
-          <a:p>
-            <a:r>
-              <a:rPr lang="en-US" dirty="0" smtClean="0"/>
-              <a:t>Select the “Main Camera” game object in the Hierarchy, and add a new component to it, this being a new script.</a:t>
-            </a:r>
-          </a:p>
-          <a:p>
-            <a:r>
-              <a:rPr lang="en-US" dirty="0" smtClean="0"/>
-              <a:t>Name the script “Smooth Camera 2D” </a:t>
-            </a:r>
-          </a:p>
-          <a:p>
-            <a:r>
-              <a:rPr lang="en-US" dirty="0" smtClean="0"/>
-              <a:t>Add the following code:</a:t>
-            </a:r>
-            <a:endParaRPr lang="en-US" dirty="0"/>
-          </a:p>
-        </p:txBody>
-      </p:sp>
-    </p:spTree>
-    <p:extLst>
-      <p:ext uri="{BB962C8B-B14F-4D97-AF65-F5344CB8AC3E}">
-        <p14:creationId xmlns:p14="http://schemas.microsoft.com/office/powerpoint/2010/main" val="3183803991"/>
-      </p:ext>
-    </p:extLst>
-  </p:cSld>
-  <p:clrMapOvr>
-    <a:masterClrMapping/>
-  </p:clrMapOvr>
-</p:sld>
-</file>
-
-<file path=ppt/slides/slide43.xml><?xml version="1.0" encoding="utf-8"?>
-<p:sld xmlns:a="http://schemas.openxmlformats.org/drawingml/2006/main" xmlns:r="http://schemas.openxmlformats.org/officeDocument/2006/relationships" xmlns:p="http://schemas.openxmlformats.org/presentationml/2006/main">
-  <p:cSld>
-    <p:spTree>
-      <p:nvGrpSpPr>
-        <p:cNvPr id="1" name=""/>
-        <p:cNvGrpSpPr/>
-        <p:nvPr/>
-      </p:nvGrpSpPr>
-      <p:grpSpPr>
-        <a:xfrm>
-          <a:off x="0" y="0"/>
-          <a:ext cx="0" cy="0"/>
-          <a:chOff x="0" y="0"/>
-          <a:chExt cx="0" cy="0"/>
-        </a:xfrm>
-      </p:grpSpPr>
-      <p:sp>
-        <p:nvSpPr>
-          <p:cNvPr id="2" name="Title 1"/>
-          <p:cNvSpPr>
-            <a:spLocks noGrp="1"/>
-          </p:cNvSpPr>
-          <p:nvPr>
-            <p:ph type="title"/>
-          </p:nvPr>
-        </p:nvSpPr>
-        <p:spPr/>
-        <p:txBody>
-          <a:bodyPr/>
-          <a:lstStyle/>
-          <a:p>
-            <a:r>
-              <a:rPr lang="en-US" dirty="0" smtClean="0"/>
-              <a:t>Section 14: Continued</a:t>
-            </a:r>
-            <a:endParaRPr lang="en-US" dirty="0"/>
-          </a:p>
-        </p:txBody>
-      </p:sp>
-      <p:pic>
-        <p:nvPicPr>
-          <p:cNvPr id="4" name="Picture 3"/>
-          <p:cNvPicPr>
-            <a:picLocks noChangeAspect="1"/>
-          </p:cNvPicPr>
-          <p:nvPr/>
-        </p:nvPicPr>
-        <p:blipFill rotWithShape="1">
-          <a:blip r:embed="rId2"/>
-          <a:srcRect l="8287" t="21408" r="32868" b="5644"/>
-          <a:stretch/>
-        </p:blipFill>
-        <p:spPr>
-          <a:xfrm>
-            <a:off x="1801504" y="1351128"/>
-            <a:ext cx="7656395" cy="5336275"/>
-          </a:xfrm>
-          <a:prstGeom prst="rect">
-            <a:avLst/>
-          </a:prstGeom>
-        </p:spPr>
-      </p:pic>
-    </p:spTree>
-    <p:extLst>
-      <p:ext uri="{BB962C8B-B14F-4D97-AF65-F5344CB8AC3E}">
-        <p14:creationId xmlns:p14="http://schemas.microsoft.com/office/powerpoint/2010/main" val="846640695"/>
-      </p:ext>
-    </p:extLst>
-  </p:cSld>
-  <p:clrMapOvr>
-    <a:masterClrMapping/>
-  </p:clrMapOvr>
-</p:sld>
-</file>
-
-<file path=ppt/slides/slide44.xml><?xml version="1.0" encoding="utf-8"?>
-<p:sld xmlns:a="http://schemas.openxmlformats.org/drawingml/2006/main" xmlns:r="http://schemas.openxmlformats.org/officeDocument/2006/relationships" xmlns:p="http://schemas.openxmlformats.org/presentationml/2006/main">
-  <p:cSld>
-    <p:spTree>
-      <p:nvGrpSpPr>
-        <p:cNvPr id="1" name=""/>
-        <p:cNvGrpSpPr/>
-        <p:nvPr/>
-      </p:nvGrpSpPr>
-      <p:grpSpPr>
-        <a:xfrm>
-          <a:off x="0" y="0"/>
-          <a:ext cx="0" cy="0"/>
-          <a:chOff x="0" y="0"/>
-          <a:chExt cx="0" cy="0"/>
-        </a:xfrm>
-      </p:grpSpPr>
-      <p:sp>
-        <p:nvSpPr>
-          <p:cNvPr id="2" name="Title 1"/>
-          <p:cNvSpPr>
-            <a:spLocks noGrp="1"/>
-          </p:cNvSpPr>
-          <p:nvPr>
-            <p:ph type="title"/>
-          </p:nvPr>
-        </p:nvSpPr>
-        <p:spPr/>
-        <p:txBody>
-          <a:bodyPr/>
-          <a:lstStyle/>
-          <a:p>
-            <a:r>
-              <a:rPr lang="en-US" dirty="0" smtClean="0"/>
-              <a:t>Section 15: Your own personal tweaks</a:t>
-            </a:r>
-            <a:endParaRPr lang="en-US" dirty="0"/>
-          </a:p>
-        </p:txBody>
-      </p:sp>
-      <p:sp>
-        <p:nvSpPr>
-          <p:cNvPr id="3" name="Content Placeholder 2"/>
-          <p:cNvSpPr>
-            <a:spLocks noGrp="1"/>
-          </p:cNvSpPr>
-          <p:nvPr>
-            <p:ph idx="1"/>
-          </p:nvPr>
-        </p:nvSpPr>
-        <p:spPr/>
-        <p:txBody>
-          <a:bodyPr/>
-          <a:lstStyle/>
-          <a:p>
-            <a:r>
-              <a:rPr lang="en-US" dirty="0" smtClean="0"/>
-              <a:t>Consider changing different values to fit the needs and desires that you want for your game.</a:t>
-            </a:r>
-          </a:p>
-          <a:p>
-            <a:r>
-              <a:rPr lang="en-US" dirty="0" smtClean="0"/>
-              <a:t>Options for simple tweaks are</a:t>
-            </a:r>
-          </a:p>
-          <a:p>
-            <a:pPr lvl="1"/>
-            <a:r>
-              <a:rPr lang="en-US" dirty="0" smtClean="0"/>
-              <a:t>Movement (vertical and horizontal)</a:t>
-            </a:r>
-          </a:p>
-          <a:p>
-            <a:pPr lvl="1"/>
-            <a:r>
-              <a:rPr lang="en-US" dirty="0" smtClean="0"/>
-              <a:t>Friction and drag for players and platforms</a:t>
-            </a:r>
-          </a:p>
-          <a:p>
-            <a:pPr lvl="1"/>
-            <a:r>
-              <a:rPr lang="en-US" dirty="0" smtClean="0"/>
-              <a:t>Punching power and speed</a:t>
-            </a:r>
-          </a:p>
-          <a:p>
-            <a:pPr lvl="1"/>
-            <a:r>
-              <a:rPr lang="en-US" dirty="0" smtClean="0"/>
-              <a:t>Respawn times</a:t>
-            </a:r>
-          </a:p>
-          <a:p>
-            <a:pPr lvl="1"/>
-            <a:r>
-              <a:rPr lang="en-US" dirty="0" smtClean="0"/>
-              <a:t>Camera speed</a:t>
-            </a:r>
-            <a:endParaRPr lang="en-US" dirty="0"/>
-          </a:p>
-        </p:txBody>
-      </p:sp>
-    </p:spTree>
-    <p:extLst>
-      <p:ext uri="{BB962C8B-B14F-4D97-AF65-F5344CB8AC3E}">
-        <p14:creationId xmlns:p14="http://schemas.microsoft.com/office/powerpoint/2010/main" val="3978327007"/>
-      </p:ext>
-    </p:extLst>
-  </p:cSld>
-  <p:clrMapOvr>
-    <a:masterClrMapping/>
-  </p:clrMapOvr>
-</p:sld>
-</file>
-
-<file path=ppt/slides/slide45.xml><?xml version="1.0" encoding="utf-8"?>
-<p:sld xmlns:a="http://schemas.openxmlformats.org/drawingml/2006/main" xmlns:r="http://schemas.openxmlformats.org/officeDocument/2006/relationships" xmlns:p="http://schemas.openxmlformats.org/presentationml/2006/main">
-  <p:cSld>
-    <p:spTree>
-      <p:nvGrpSpPr>
-        <p:cNvPr id="1" name=""/>
-        <p:cNvGrpSpPr/>
-        <p:nvPr/>
-      </p:nvGrpSpPr>
-      <p:grpSpPr>
-        <a:xfrm>
-          <a:off x="0" y="0"/>
-          <a:ext cx="0" cy="0"/>
-          <a:chOff x="0" y="0"/>
-          <a:chExt cx="0" cy="0"/>
-        </a:xfrm>
-      </p:grpSpPr>
-      <p:sp>
-        <p:nvSpPr>
-          <p:cNvPr id="2" name="Title 1"/>
-          <p:cNvSpPr>
-            <a:spLocks noGrp="1"/>
-          </p:cNvSpPr>
-          <p:nvPr>
-            <p:ph type="title"/>
-          </p:nvPr>
-        </p:nvSpPr>
-        <p:spPr/>
-        <p:txBody>
-          <a:bodyPr/>
-          <a:lstStyle/>
-          <a:p>
-            <a:r>
-              <a:rPr lang="en-US" dirty="0" smtClean="0"/>
-              <a:t>Section 15: Continued</a:t>
-            </a:r>
-            <a:endParaRPr lang="en-US" dirty="0"/>
-          </a:p>
-        </p:txBody>
-      </p:sp>
-      <p:sp>
-        <p:nvSpPr>
-          <p:cNvPr id="3" name="Content Placeholder 2"/>
-          <p:cNvSpPr>
-            <a:spLocks noGrp="1"/>
-          </p:cNvSpPr>
-          <p:nvPr>
-            <p:ph idx="1"/>
-          </p:nvPr>
-        </p:nvSpPr>
-        <p:spPr/>
-        <p:txBody>
-          <a:bodyPr>
-            <a:normAutofit lnSpcReduction="10000"/>
-          </a:bodyPr>
-          <a:lstStyle/>
-          <a:p>
-            <a:r>
-              <a:rPr lang="en-US" dirty="0" smtClean="0"/>
-              <a:t>There are some more advanced possibilities for your game, such as</a:t>
-            </a:r>
-          </a:p>
-          <a:p>
-            <a:pPr lvl="1"/>
-            <a:r>
-              <a:rPr lang="en-US" dirty="0" smtClean="0"/>
-              <a:t>Right now your jumps are reset after touching a wall, not just landing vertically. How can you change that?</a:t>
-            </a:r>
-          </a:p>
-          <a:p>
-            <a:pPr lvl="1"/>
-            <a:r>
-              <a:rPr lang="en-US" dirty="0" smtClean="0"/>
-              <a:t>Jumping is only reset when the input axis goes back to 0. How can you change the values in the input manager to make it as soon as you want?</a:t>
-            </a:r>
-          </a:p>
-          <a:p>
-            <a:pPr lvl="1"/>
-            <a:r>
-              <a:rPr lang="en-US" dirty="0" smtClean="0"/>
-              <a:t>Punching is fast as you can mash the buttons. Can you find a way to make a cooldown?</a:t>
-            </a:r>
-          </a:p>
-          <a:p>
-            <a:pPr lvl="1"/>
-            <a:r>
-              <a:rPr lang="en-US" dirty="0" smtClean="0"/>
-              <a:t>Consider other alternate fire options, </a:t>
-            </a:r>
-            <a:r>
-              <a:rPr lang="en-US" dirty="0" err="1" smtClean="0"/>
-              <a:t>powerups</a:t>
-            </a:r>
-            <a:r>
-              <a:rPr lang="en-US" dirty="0" smtClean="0"/>
-              <a:t>, or special items. How can you make different game objects spawn and affect the player?</a:t>
-            </a:r>
-          </a:p>
-          <a:p>
-            <a:pPr lvl="1"/>
-            <a:r>
-              <a:rPr lang="en-US" dirty="0" smtClean="0"/>
-              <a:t>Special map elements such as trampolines, death pits, or physics items. Unity is a powerful tool for physics items, how can you use this for your advantage?</a:t>
-            </a:r>
-          </a:p>
-        </p:txBody>
-      </p:sp>
-    </p:spTree>
-    <p:extLst>
-      <p:ext uri="{BB962C8B-B14F-4D97-AF65-F5344CB8AC3E}">
-        <p14:creationId xmlns:p14="http://schemas.microsoft.com/office/powerpoint/2010/main" val="1655004470"/>
-      </p:ext>
-    </p:extLst>
-  </p:cSld>
-  <p:clrMapOvr>
-    <a:masterClrMapping/>
-  </p:clrMapOvr>
-</p:sld>
-</file>
-
-<file path=ppt/slides/slide46.xml><?xml version="1.0" encoding="utf-8"?>
-<p:sld xmlns:a="http://schemas.openxmlformats.org/drawingml/2006/main" xmlns:r="http://schemas.openxmlformats.org/officeDocument/2006/relationships" xmlns:p="http://schemas.openxmlformats.org/presentationml/2006/main">
-  <p:cSld>
-    <p:spTree>
-      <p:nvGrpSpPr>
-        <p:cNvPr id="1" name=""/>
-        <p:cNvGrpSpPr/>
-        <p:nvPr/>
-      </p:nvGrpSpPr>
-      <p:grpSpPr>
-        <a:xfrm>
-          <a:off x="0" y="0"/>
-          <a:ext cx="0" cy="0"/>
-          <a:chOff x="0" y="0"/>
-          <a:chExt cx="0" cy="0"/>
-        </a:xfrm>
-      </p:grpSpPr>
-      <p:sp>
-        <p:nvSpPr>
-          <p:cNvPr id="2" name="Title 1"/>
-          <p:cNvSpPr>
-            <a:spLocks noGrp="1"/>
-          </p:cNvSpPr>
-          <p:nvPr>
-            <p:ph type="title"/>
-          </p:nvPr>
-        </p:nvSpPr>
-        <p:spPr>
-          <a:xfrm>
-            <a:off x="831850" y="3634067"/>
-            <a:ext cx="10515600" cy="2852737"/>
-          </a:xfrm>
-        </p:spPr>
-        <p:txBody>
-          <a:bodyPr>
-            <a:normAutofit fontScale="90000"/>
-          </a:bodyPr>
-          <a:lstStyle/>
-          <a:p>
-            <a:r>
-              <a:rPr lang="en-US" dirty="0" smtClean="0"/>
-              <a:t>This is your first (or one of your first) games. Do what you want and make your own game, as our next project will be doing that, but starting from scratch. </a:t>
-            </a:r>
-            <a:br>
-              <a:rPr lang="en-US" dirty="0" smtClean="0"/>
-            </a:br>
-            <a:r>
-              <a:rPr lang="en-US" dirty="0" smtClean="0"/>
-              <a:t>You will be assigned teams to create your own new game. Brainstorm some ideas!</a:t>
-            </a:r>
-            <a:endParaRPr lang="en-US" dirty="0"/>
-          </a:p>
-        </p:txBody>
-      </p:sp>
-    </p:spTree>
-    <p:extLst>
-      <p:ext uri="{BB962C8B-B14F-4D97-AF65-F5344CB8AC3E}">
-        <p14:creationId xmlns:p14="http://schemas.microsoft.com/office/powerpoint/2010/main" val="3738019306"/>
-      </p:ext>
-    </p:extLst>
-  </p:cSld>
-  <p:clrMapOvr>
-    <a:masterClrMapping/>
-  </p:clrMapOvr>
-</p:sld>
-</file>
-
-<file path=ppt/slides/slide5.xml><?xml version="1.0" encoding="utf-8"?>
+<file path=ppt/slides/slide6.xml><?xml version="1.0" encoding="utf-8"?>
 <p:sld xmlns:a="http://schemas.openxmlformats.org/drawingml/2006/main" xmlns:r="http://schemas.openxmlformats.org/officeDocument/2006/relationships" xmlns:p="http://schemas.openxmlformats.org/presentationml/2006/main">
   <p:cSld>
     <p:spTree>
@@ -7497,7 +7791,7 @@
 </p:sld>
 </file>
 
-<file path=ppt/slides/slide6.xml><?xml version="1.0" encoding="utf-8"?>
+<file path=ppt/slides/slide7.xml><?xml version="1.0" encoding="utf-8"?>
 <p:sld xmlns:a="http://schemas.openxmlformats.org/drawingml/2006/main" xmlns:r="http://schemas.openxmlformats.org/officeDocument/2006/relationships" xmlns:p="http://schemas.openxmlformats.org/presentationml/2006/main">
   <p:cSld>
     <p:spTree>
@@ -7580,7 +7874,7 @@
 </p:sld>
 </file>
 
-<file path=ppt/slides/slide7.xml><?xml version="1.0" encoding="utf-8"?>
+<file path=ppt/slides/slide8.xml><?xml version="1.0" encoding="utf-8"?>
 <p:sld xmlns:a="http://schemas.openxmlformats.org/drawingml/2006/main" xmlns:r="http://schemas.openxmlformats.org/officeDocument/2006/relationships" xmlns:p="http://schemas.openxmlformats.org/presentationml/2006/main">
   <p:cSld>
     <p:spTree>
@@ -7663,7 +7957,7 @@
 </p:sld>
 </file>
 
-<file path=ppt/slides/slide8.xml><?xml version="1.0" encoding="utf-8"?>
+<file path=ppt/slides/slide9.xml><?xml version="1.0" encoding="utf-8"?>
 <p:sld xmlns:a="http://schemas.openxmlformats.org/drawingml/2006/main" xmlns:r="http://schemas.openxmlformats.org/officeDocument/2006/relationships" xmlns:p="http://schemas.openxmlformats.org/presentationml/2006/main">
   <p:cSld>
     <p:spTree>
@@ -7791,129 +8085,6 @@
     <p:extLst>
       <p:ext uri="{BB962C8B-B14F-4D97-AF65-F5344CB8AC3E}">
         <p14:creationId xmlns:p14="http://schemas.microsoft.com/office/powerpoint/2010/main" val="3564555682"/>
-      </p:ext>
-    </p:extLst>
-  </p:cSld>
-  <p:clrMapOvr>
-    <a:masterClrMapping/>
-  </p:clrMapOvr>
-  <p:timing>
-    <p:tnLst>
-      <p:par>
-        <p:cTn id="1" dur="indefinite" restart="never" nodeType="tmRoot"/>
-      </p:par>
-    </p:tnLst>
-  </p:timing>
-</p:sld>
-</file>
-
-<file path=ppt/slides/slide9.xml><?xml version="1.0" encoding="utf-8"?>
-<p:sld xmlns:a="http://schemas.openxmlformats.org/drawingml/2006/main" xmlns:r="http://schemas.openxmlformats.org/officeDocument/2006/relationships" xmlns:p="http://schemas.openxmlformats.org/presentationml/2006/main">
-  <p:cSld>
-    <p:spTree>
-      <p:nvGrpSpPr>
-        <p:cNvPr id="1" name=""/>
-        <p:cNvGrpSpPr/>
-        <p:nvPr/>
-      </p:nvGrpSpPr>
-      <p:grpSpPr>
-        <a:xfrm>
-          <a:off x="0" y="0"/>
-          <a:ext cx="0" cy="0"/>
-          <a:chOff x="0" y="0"/>
-          <a:chExt cx="0" cy="0"/>
-        </a:xfrm>
-      </p:grpSpPr>
-      <p:sp>
-        <p:nvSpPr>
-          <p:cNvPr id="2" name="Title 1"/>
-          <p:cNvSpPr>
-            <a:spLocks noGrp="1"/>
-          </p:cNvSpPr>
-          <p:nvPr>
-            <p:ph type="title"/>
-          </p:nvPr>
-        </p:nvSpPr>
-        <p:spPr/>
-        <p:txBody>
-          <a:bodyPr/>
-          <a:lstStyle/>
-          <a:p>
-            <a:r>
-              <a:rPr lang="en-US" dirty="0" smtClean="0"/>
-              <a:t>Step 5c: Give your box collision</a:t>
-            </a:r>
-            <a:endParaRPr lang="en-US" dirty="0"/>
-          </a:p>
-        </p:txBody>
-      </p:sp>
-      <p:sp>
-        <p:nvSpPr>
-          <p:cNvPr id="3" name="Content Placeholder 2"/>
-          <p:cNvSpPr>
-            <a:spLocks noGrp="1"/>
-          </p:cNvSpPr>
-          <p:nvPr>
-            <p:ph idx="1"/>
-          </p:nvPr>
-        </p:nvSpPr>
-        <p:spPr/>
-        <p:txBody>
-          <a:bodyPr/>
-          <a:lstStyle/>
-          <a:p>
-            <a:r>
-              <a:rPr lang="en-US" dirty="0" smtClean="0"/>
-              <a:t>Add another component, this named “Box collider 2D”</a:t>
-            </a:r>
-          </a:p>
-          <a:p>
-            <a:r>
-              <a:rPr lang="en-US" dirty="0" smtClean="0"/>
-              <a:t>The green lines on your </a:t>
-            </a:r>
-            <a:r>
-              <a:rPr lang="en-US" dirty="0" err="1" smtClean="0"/>
-              <a:t>GameObject</a:t>
-            </a:r>
-            <a:r>
-              <a:rPr lang="en-US" dirty="0" smtClean="0"/>
-              <a:t> are the collision boxes. Click “Edit Collider” to click and drag where you want it to go.</a:t>
-            </a:r>
-          </a:p>
-          <a:p>
-            <a:endParaRPr lang="en-US" dirty="0"/>
-          </a:p>
-        </p:txBody>
-      </p:sp>
-      <p:pic>
-        <p:nvPicPr>
-          <p:cNvPr id="5" name="Picture 4"/>
-          <p:cNvPicPr>
-            <a:picLocks noChangeAspect="1"/>
-          </p:cNvPicPr>
-          <p:nvPr/>
-        </p:nvPicPr>
-        <p:blipFill>
-          <a:blip r:embed="rId2"/>
-          <a:stretch>
-            <a:fillRect/>
-          </a:stretch>
-        </p:blipFill>
-        <p:spPr>
-          <a:xfrm>
-            <a:off x="1671637" y="3526505"/>
-            <a:ext cx="8848725" cy="2981325"/>
-          </a:xfrm>
-          <a:prstGeom prst="rect">
-            <a:avLst/>
-          </a:prstGeom>
-        </p:spPr>
-      </p:pic>
-    </p:spTree>
-    <p:extLst>
-      <p:ext uri="{BB962C8B-B14F-4D97-AF65-F5344CB8AC3E}">
-        <p14:creationId xmlns:p14="http://schemas.microsoft.com/office/powerpoint/2010/main" val="3981436185"/>
       </p:ext>
     </p:extLst>
   </p:cSld>
